--- a/TB.Poster_VF.pptx
+++ b/TB.Poster_VF.pptx
@@ -6626,7 +6626,7 @@
         </p:blipFill>
         <p:spPr>
           <a:xfrm>
-            <a:off x="2161892" y="9105763"/>
+            <a:off x="2161892" y="9438275"/>
             <a:ext cx="7640527" cy="4863477"/>
           </a:xfrm>
           <a:prstGeom prst="rect">
@@ -6642,7 +6642,7 @@
         </p:nvSpPr>
         <p:spPr>
           <a:xfrm>
-            <a:off x="2098419" y="8848779"/>
+            <a:off x="2098419" y="9181291"/>
             <a:ext cx="8541771" cy="8898639"/>
           </a:xfrm>
           <a:prstGeom prst="roundRect">
@@ -6692,7 +6692,7 @@
         </p:nvSpPr>
         <p:spPr>
           <a:xfrm>
-            <a:off x="3225391" y="8852236"/>
+            <a:off x="3225391" y="9184748"/>
             <a:ext cx="3600000" cy="769441"/>
           </a:xfrm>
           <a:prstGeom prst="rect">
@@ -6738,8 +6738,8 @@
         </p:nvSpPr>
         <p:spPr>
           <a:xfrm>
-            <a:off x="1915193" y="8054937"/>
-            <a:ext cx="14976000" cy="9936000"/>
+            <a:off x="1915193" y="8512141"/>
+            <a:ext cx="14976000" cy="9792000"/>
           </a:xfrm>
           <a:prstGeom prst="rect">
             <a:avLst/>
@@ -6788,8 +6788,8 @@
         </p:nvSpPr>
         <p:spPr>
           <a:xfrm>
-            <a:off x="400234" y="8054937"/>
-            <a:ext cx="1440000" cy="9936000"/>
+            <a:off x="400234" y="8512141"/>
+            <a:ext cx="1440000" cy="9792000"/>
           </a:xfrm>
           <a:prstGeom prst="rect">
             <a:avLst/>
@@ -6837,7 +6837,7 @@
         </p:nvSpPr>
         <p:spPr>
           <a:xfrm rot="16200000">
-            <a:off x="-3763322" y="12862990"/>
+            <a:off x="-3763322" y="13195502"/>
             <a:ext cx="9720000" cy="769441"/>
           </a:xfrm>
           <a:prstGeom prst="rect">
@@ -6889,7 +6889,7 @@
         </p:blipFill>
         <p:spPr>
           <a:xfrm>
-            <a:off x="3649136" y="11629525"/>
+            <a:off x="3649136" y="11962037"/>
             <a:ext cx="471500" cy="1080000"/>
           </a:xfrm>
           <a:prstGeom prst="rect">
@@ -6918,7 +6918,7 @@
         </p:blipFill>
         <p:spPr>
           <a:xfrm>
-            <a:off x="4685595" y="11629524"/>
+            <a:off x="4685595" y="11962036"/>
             <a:ext cx="471500" cy="1080000"/>
           </a:xfrm>
           <a:prstGeom prst="rect">
@@ -6947,7 +6947,7 @@
         </p:blipFill>
         <p:spPr>
           <a:xfrm>
-            <a:off x="4172493" y="11629525"/>
+            <a:off x="4172493" y="11962037"/>
             <a:ext cx="471500" cy="1080000"/>
           </a:xfrm>
           <a:prstGeom prst="rect">
@@ -6963,7 +6963,7 @@
         </p:nvSpPr>
         <p:spPr>
           <a:xfrm>
-            <a:off x="7229986" y="12012369"/>
+            <a:off x="7229986" y="12344881"/>
             <a:ext cx="3248042" cy="1623633"/>
           </a:xfrm>
           <a:prstGeom prst="wedgeEllipseCallout">
@@ -7063,13 +7063,13 @@
           <p:nvPr>
             <p:extLst>
               <p:ext uri="{D42A27DB-BD31-4B8C-83A1-F6EECF244321}">
-                <p14:modId xmlns:p14="http://schemas.microsoft.com/office/powerpoint/2010/main" val="1303525565"/>
+                <p14:modId xmlns:p14="http://schemas.microsoft.com/office/powerpoint/2010/main" val="2128423916"/>
               </p:ext>
             </p:extLst>
           </p:nvPr>
         </p:nvGraphicFramePr>
         <p:xfrm>
-          <a:off x="2575547" y="13822152"/>
+          <a:off x="2575547" y="14154664"/>
           <a:ext cx="2993250" cy="2720106"/>
         </p:xfrm>
         <a:graphic>
@@ -7294,7 +7294,7 @@
         </p:nvSpPr>
         <p:spPr>
           <a:xfrm>
-            <a:off x="1978578" y="16635797"/>
+            <a:off x="2061706" y="16968309"/>
             <a:ext cx="3590219" cy="830997"/>
           </a:xfrm>
           <a:prstGeom prst="rect">
@@ -7350,7 +7350,7 @@
         </p:blipFill>
         <p:spPr>
           <a:xfrm>
-            <a:off x="6592229" y="9794617"/>
+            <a:off x="6592229" y="10127129"/>
             <a:ext cx="471500" cy="1080000"/>
           </a:xfrm>
           <a:prstGeom prst="rect">
@@ -7379,7 +7379,7 @@
         </p:blipFill>
         <p:spPr>
           <a:xfrm>
-            <a:off x="6079127" y="9794618"/>
+            <a:off x="6079127" y="10127130"/>
             <a:ext cx="471500" cy="1080000"/>
           </a:xfrm>
           <a:prstGeom prst="rect">
@@ -7408,7 +7408,7 @@
         </p:blipFill>
         <p:spPr>
           <a:xfrm>
-            <a:off x="7306370" y="10743864"/>
+            <a:off x="7306370" y="11076376"/>
             <a:ext cx="471500" cy="1080000"/>
           </a:xfrm>
           <a:prstGeom prst="rect">
@@ -7437,7 +7437,7 @@
         </p:blipFill>
         <p:spPr>
           <a:xfrm>
-            <a:off x="8476008" y="10743864"/>
+            <a:off x="8476008" y="11076376"/>
             <a:ext cx="471500" cy="1080000"/>
           </a:xfrm>
           <a:prstGeom prst="rect">
@@ -7466,7 +7466,7 @@
         </p:blipFill>
         <p:spPr>
           <a:xfrm>
-            <a:off x="6384409" y="11957136"/>
+            <a:off x="6384409" y="12289648"/>
             <a:ext cx="471500" cy="1080000"/>
           </a:xfrm>
           <a:prstGeom prst="rect">
@@ -7495,7 +7495,7 @@
         </p:blipFill>
         <p:spPr>
           <a:xfrm>
-            <a:off x="5253149" y="11656450"/>
+            <a:off x="5253149" y="11988962"/>
             <a:ext cx="471500" cy="1080000"/>
           </a:xfrm>
           <a:prstGeom prst="rect">
@@ -7511,7 +7511,7 @@
         </p:nvGrpSpPr>
         <p:grpSpPr>
           <a:xfrm>
-            <a:off x="5523405" y="13755271"/>
+            <a:off x="6271557" y="14046211"/>
             <a:ext cx="4236174" cy="1251020"/>
             <a:chOff x="6827783" y="9348941"/>
             <a:chExt cx="4236174" cy="1251020"/>
@@ -7646,8 +7646,8 @@
         </p:nvSpPr>
         <p:spPr>
           <a:xfrm>
-            <a:off x="5674458" y="14883544"/>
-            <a:ext cx="4778676" cy="2677656"/>
+            <a:off x="5632894" y="15174492"/>
+            <a:ext cx="4778676" cy="2739211"/>
           </a:xfrm>
           <a:prstGeom prst="rect">
             <a:avLst/>
@@ -7662,14 +7662,14 @@
           <a:p>
             <a:pPr algn="just"/>
             <a:r>
-              <a:rPr lang="fr-FR" sz="2800" b="1" i="1" dirty="0">
+              <a:rPr lang="fr-FR" sz="3200" b="1" dirty="0" smtClean="0">
                 <a:solidFill>
                   <a:srgbClr val="0098D8"/>
                 </a:solidFill>
               </a:rPr>
-              <a:t>Scénario :</a:t>
-            </a:r>
-            <a:endParaRPr lang="fr-FR" sz="2800" b="1" i="1" dirty="0" smtClean="0">
+              <a:t>Scénario</a:t>
+            </a:r>
+            <a:endParaRPr lang="fr-FR" sz="3200" b="1" dirty="0" smtClean="0">
               <a:solidFill>
                 <a:srgbClr val="0098D8"/>
               </a:solidFill>
@@ -7687,7 +7687,15 @@
             </a:r>
             <a:r>
               <a:rPr lang="fr-FR" sz="2800" i="1" dirty="0" smtClean="0"/>
-              <a:t>produit 4 bières qu’elle commercialise dans 3 régions Suisse. Puis, elle écoule ses stocks dans 3 canaux de distribution. </a:t>
+              <a:t>produit 4 </a:t>
+            </a:r>
+            <a:r>
+              <a:rPr lang="fr-FR" sz="2800" i="1" dirty="0" smtClean="0"/>
+              <a:t>sortes de bières </a:t>
+            </a:r>
+            <a:r>
+              <a:rPr lang="fr-FR" sz="2800" i="1" dirty="0" smtClean="0"/>
+              <a:t>qu’elle commercialise dans 3 régions Suisse. Puis, elle écoule ses stocks dans 3 canaux de distribution. </a:t>
             </a:r>
           </a:p>
         </p:txBody>
@@ -7700,7 +7708,7 @@
         </p:nvSpPr>
         <p:spPr>
           <a:xfrm>
-            <a:off x="10955630" y="8848779"/>
+            <a:off x="10955630" y="9181291"/>
             <a:ext cx="5760000" cy="8898639"/>
           </a:xfrm>
           <a:prstGeom prst="roundRect">
@@ -7751,13 +7759,13 @@
           <p:nvPr>
             <p:extLst>
               <p:ext uri="{D42A27DB-BD31-4B8C-83A1-F6EECF244321}">
-                <p14:modId xmlns:p14="http://schemas.microsoft.com/office/powerpoint/2010/main" val="1873487908"/>
+                <p14:modId xmlns:p14="http://schemas.microsoft.com/office/powerpoint/2010/main" val="1785648133"/>
               </p:ext>
             </p:extLst>
           </p:nvPr>
         </p:nvGraphicFramePr>
         <p:xfrm>
-          <a:off x="10775109" y="10749966"/>
+          <a:off x="10775109" y="10957786"/>
           <a:ext cx="6084000" cy="4991110"/>
         </p:xfrm>
         <a:graphic>
@@ -7788,8 +7796,8 @@
         </p:blipFill>
         <p:spPr>
           <a:xfrm>
-            <a:off x="12492983" y="16178885"/>
-            <a:ext cx="2648252" cy="900000"/>
+            <a:off x="12467098" y="15972256"/>
+            <a:ext cx="2674137" cy="900000"/>
           </a:xfrm>
           <a:prstGeom prst="rect">
             <a:avLst/>
@@ -7804,8 +7812,8 @@
         </p:nvSpPr>
         <p:spPr>
           <a:xfrm>
-            <a:off x="17085083" y="9619442"/>
-            <a:ext cx="3786130" cy="6840000"/>
+            <a:off x="17085083" y="10076646"/>
+            <a:ext cx="3786130" cy="6624000"/>
           </a:xfrm>
           <a:prstGeom prst="rect">
             <a:avLst/>
@@ -7859,8 +7867,8 @@
         </p:nvSpPr>
         <p:spPr>
           <a:xfrm>
-            <a:off x="15256303" y="10890157"/>
-            <a:ext cx="3122134" cy="1080000"/>
+            <a:off x="15256303" y="11097977"/>
+            <a:ext cx="3564000" cy="1080000"/>
           </a:xfrm>
           <a:prstGeom prst="leftArrow">
             <a:avLst/>
@@ -7906,7 +7914,7 @@
                   </a:schemeClr>
                 </a:solidFill>
               </a:rPr>
-              <a:t>MRP</a:t>
+              <a:t>Calcul des besoins</a:t>
             </a:r>
             <a:endParaRPr lang="fr-FR" sz="3200" dirty="0">
               <a:solidFill>
@@ -7918,35 +7926,6 @@
           </a:p>
         </p:txBody>
       </p:sp>
-      <p:pic>
-        <p:nvPicPr>
-          <p:cNvPr id="136" name="Image 135"/>
-          <p:cNvPicPr>
-            <a:picLocks noChangeAspect="1"/>
-          </p:cNvPicPr>
-          <p:nvPr/>
-        </p:nvPicPr>
-        <p:blipFill rotWithShape="1">
-          <a:blip r:embed="rId15">
-            <a:extLst>
-              <a:ext uri="{28A0092B-C50C-407E-A947-70E740481C1C}">
-                <a14:useLocalDpi xmlns:a14="http://schemas.microsoft.com/office/drawing/2010/main" val="0"/>
-              </a:ext>
-            </a:extLst>
-          </a:blip>
-          <a:srcRect l="29512" r="26967"/>
-          <a:stretch/>
-        </p:blipFill>
-        <p:spPr>
-          <a:xfrm>
-            <a:off x="18493977" y="10278434"/>
-            <a:ext cx="836442" cy="1921916"/>
-          </a:xfrm>
-          <a:prstGeom prst="rect">
-            <a:avLst/>
-          </a:prstGeom>
-        </p:spPr>
-      </p:pic>
       <p:sp>
         <p:nvSpPr>
           <p:cNvPr id="137" name="Flèche vers la gauche 136"/>
@@ -7955,8 +7934,8 @@
         </p:nvSpPr>
         <p:spPr>
           <a:xfrm>
-            <a:off x="15256303" y="14589945"/>
-            <a:ext cx="3122134" cy="1080000"/>
+            <a:off x="15256303" y="14797765"/>
+            <a:ext cx="3564000" cy="1080000"/>
           </a:xfrm>
           <a:prstGeom prst="leftArrow">
             <a:avLst/>
@@ -8002,7 +7981,17 @@
                   </a:schemeClr>
                 </a:solidFill>
               </a:rPr>
-              <a:t>OF</a:t>
+              <a:t>Ordre fabri</a:t>
+            </a:r>
+            <a:r>
+              <a:rPr lang="fr-FR" sz="3200" dirty="0" smtClean="0">
+                <a:solidFill>
+                  <a:schemeClr val="accent4">
+                    <a:lumMod val="50000"/>
+                  </a:schemeClr>
+                </a:solidFill>
+              </a:rPr>
+              <a:t>cation</a:t>
             </a:r>
             <a:endParaRPr lang="fr-FR" sz="3200" dirty="0">
               <a:solidFill>
@@ -8022,7 +8011,7 @@
         </p:nvSpPr>
         <p:spPr>
           <a:xfrm>
-            <a:off x="12953763" y="12628432"/>
+            <a:off x="12953763" y="12836252"/>
             <a:ext cx="1730686" cy="1080000"/>
           </a:xfrm>
           <a:prstGeom prst="leftArrow">
@@ -8089,7 +8078,7 @@
         </p:nvSpPr>
         <p:spPr>
           <a:xfrm>
-            <a:off x="17033293" y="8081581"/>
+            <a:off x="17033293" y="8538785"/>
             <a:ext cx="3888000" cy="1440000"/>
           </a:xfrm>
           <a:prstGeom prst="rect">
@@ -8134,9 +8123,9 @@
                   </a:schemeClr>
                 </a:solidFill>
               </a:rPr>
-              <a:t>Participants</a:t>
-            </a:r>
-            <a:endParaRPr lang="fr-FR" dirty="0">
+              <a:t>Équipe</a:t>
+            </a:r>
+            <a:endParaRPr lang="fr-FR" sz="4400" dirty="0" smtClean="0">
               <a:solidFill>
                 <a:schemeClr val="accent4">
                   <a:lumMod val="50000"/>
@@ -8144,41 +8133,19 @@
               </a:solidFill>
             </a:endParaRPr>
           </a:p>
-        </p:txBody>
-      </p:sp>
-      <p:sp>
-        <p:nvSpPr>
-          <p:cNvPr id="141" name="ZoneTexte 140"/>
-          <p:cNvSpPr txBox="1"/>
-          <p:nvPr/>
-        </p:nvSpPr>
-        <p:spPr>
-          <a:xfrm rot="16200000">
-            <a:off x="18565969" y="10906668"/>
-            <a:ext cx="1753750" cy="461665"/>
-          </a:xfrm>
-          <a:prstGeom prst="rect">
-            <a:avLst/>
-          </a:prstGeom>
-          <a:noFill/>
-        </p:spPr>
-        <p:txBody>
-          <a:bodyPr wrap="none" rtlCol="0">
-            <a:spAutoFit/>
-          </a:bodyPr>
-          <a:lstStyle/>
-          <a:p>
-            <a:r>
-              <a:rPr lang="fr-FR" sz="2400" dirty="0" smtClean="0">
+          <a:p>
+            <a:pPr algn="ctr"/>
+            <a:r>
+              <a:rPr lang="fr-FR" sz="2800" dirty="0" smtClean="0">
                 <a:solidFill>
                   <a:schemeClr val="accent4">
                     <a:lumMod val="50000"/>
                   </a:schemeClr>
                 </a:solidFill>
               </a:rPr>
-              <a:t>Planificateur</a:t>
-            </a:r>
-            <a:endParaRPr lang="fr-FR" sz="2200" dirty="0">
+              <a:t>(3 à 4 participants)</a:t>
+            </a:r>
+            <a:endParaRPr lang="fr-FR" sz="3600" dirty="0">
               <a:solidFill>
                 <a:schemeClr val="accent4">
                   <a:lumMod val="50000"/>
@@ -8188,6 +8155,92 @@
           </a:p>
         </p:txBody>
       </p:sp>
+      <p:grpSp>
+        <p:nvGrpSpPr>
+          <p:cNvPr id="4" name="Grouper 3"/>
+          <p:cNvGrpSpPr/>
+          <p:nvPr/>
+        </p:nvGrpSpPr>
+        <p:grpSpPr>
+          <a:xfrm>
+            <a:off x="18992745" y="10260626"/>
+            <a:ext cx="1179699" cy="1939724"/>
+            <a:chOff x="18493977" y="9928114"/>
+            <a:chExt cx="1179699" cy="1939724"/>
+          </a:xfrm>
+        </p:grpSpPr>
+        <p:pic>
+          <p:nvPicPr>
+            <p:cNvPr id="136" name="Image 135"/>
+            <p:cNvPicPr>
+              <a:picLocks noChangeAspect="1"/>
+            </p:cNvPicPr>
+            <p:nvPr/>
+          </p:nvPicPr>
+          <p:blipFill rotWithShape="1">
+            <a:blip r:embed="rId15">
+              <a:extLst>
+                <a:ext uri="{28A0092B-C50C-407E-A947-70E740481C1C}">
+                  <a14:useLocalDpi xmlns:a14="http://schemas.microsoft.com/office/drawing/2010/main" val="0"/>
+                </a:ext>
+              </a:extLst>
+            </a:blip>
+            <a:srcRect l="29512" r="26967"/>
+            <a:stretch/>
+          </p:blipFill>
+          <p:spPr>
+            <a:xfrm>
+              <a:off x="18493977" y="9945922"/>
+              <a:ext cx="836442" cy="1921916"/>
+            </a:xfrm>
+            <a:prstGeom prst="rect">
+              <a:avLst/>
+            </a:prstGeom>
+          </p:spPr>
+        </p:pic>
+        <p:sp>
+          <p:nvSpPr>
+            <p:cNvPr id="141" name="ZoneTexte 140"/>
+            <p:cNvSpPr txBox="1"/>
+            <p:nvPr/>
+          </p:nvSpPr>
+          <p:spPr>
+            <a:xfrm rot="16200000">
+              <a:off x="18565969" y="10574156"/>
+              <a:ext cx="1753750" cy="461665"/>
+            </a:xfrm>
+            <a:prstGeom prst="rect">
+              <a:avLst/>
+            </a:prstGeom>
+            <a:noFill/>
+          </p:spPr>
+          <p:txBody>
+            <a:bodyPr wrap="none" rtlCol="0">
+              <a:spAutoFit/>
+            </a:bodyPr>
+            <a:lstStyle/>
+            <a:p>
+              <a:r>
+                <a:rPr lang="fr-FR" sz="2400" dirty="0" smtClean="0">
+                  <a:solidFill>
+                    <a:schemeClr val="accent4">
+                      <a:lumMod val="50000"/>
+                    </a:schemeClr>
+                  </a:solidFill>
+                </a:rPr>
+                <a:t>Planificateur</a:t>
+              </a:r>
+              <a:endParaRPr lang="fr-FR" sz="2200" dirty="0">
+                <a:solidFill>
+                  <a:schemeClr val="accent4">
+                    <a:lumMod val="50000"/>
+                  </a:schemeClr>
+                </a:solidFill>
+              </a:endParaRPr>
+            </a:p>
+          </p:txBody>
+        </p:sp>
+      </p:grpSp>
       <p:sp>
         <p:nvSpPr>
           <p:cNvPr id="142" name="Flèche vers la gauche 141"/>
@@ -8196,7 +8249,7 @@
         </p:nvSpPr>
         <p:spPr>
           <a:xfrm>
-            <a:off x="16715631" y="12628432"/>
+            <a:off x="16715631" y="12836252"/>
             <a:ext cx="1051094" cy="1080000"/>
           </a:xfrm>
           <a:prstGeom prst="leftArrow">
@@ -8257,64 +8310,6 @@
       </p:sp>
       <p:pic>
         <p:nvPicPr>
-          <p:cNvPr id="143" name="Image 142"/>
-          <p:cNvPicPr>
-            <a:picLocks noChangeAspect="1"/>
-          </p:cNvPicPr>
-          <p:nvPr/>
-        </p:nvPicPr>
-        <p:blipFill rotWithShape="1">
-          <a:blip r:embed="rId15">
-            <a:extLst>
-              <a:ext uri="{28A0092B-C50C-407E-A947-70E740481C1C}">
-                <a14:useLocalDpi xmlns:a14="http://schemas.microsoft.com/office/drawing/2010/main" val="0"/>
-              </a:ext>
-            </a:extLst>
-          </a:blip>
-          <a:srcRect l="29512" r="26967"/>
-          <a:stretch/>
-        </p:blipFill>
-        <p:spPr>
-          <a:xfrm>
-            <a:off x="18660233" y="14055834"/>
-            <a:ext cx="836442" cy="1921916"/>
-          </a:xfrm>
-          <a:prstGeom prst="rect">
-            <a:avLst/>
-          </a:prstGeom>
-        </p:spPr>
-      </p:pic>
-      <p:pic>
-        <p:nvPicPr>
-          <p:cNvPr id="144" name="Image 143"/>
-          <p:cNvPicPr>
-            <a:picLocks noChangeAspect="1"/>
-          </p:cNvPicPr>
-          <p:nvPr/>
-        </p:nvPicPr>
-        <p:blipFill rotWithShape="1">
-          <a:blip r:embed="rId15">
-            <a:extLst>
-              <a:ext uri="{28A0092B-C50C-407E-A947-70E740481C1C}">
-                <a14:useLocalDpi xmlns:a14="http://schemas.microsoft.com/office/drawing/2010/main" val="0"/>
-              </a:ext>
-            </a:extLst>
-          </a:blip>
-          <a:srcRect l="29512" r="26967"/>
-          <a:stretch/>
-        </p:blipFill>
-        <p:spPr>
-          <a:xfrm>
-            <a:off x="19410925" y="12060781"/>
-            <a:ext cx="836442" cy="1921916"/>
-          </a:xfrm>
-          <a:prstGeom prst="rect">
-            <a:avLst/>
-          </a:prstGeom>
-        </p:spPr>
-      </p:pic>
-      <p:pic>
-        <p:nvPicPr>
           <p:cNvPr id="145" name="Image 144"/>
           <p:cNvPicPr>
             <a:picLocks noChangeAspect="1"/>
@@ -8334,7 +8329,7 @@
         </p:blipFill>
         <p:spPr>
           <a:xfrm>
-            <a:off x="17809781" y="12060781"/>
+            <a:off x="17809781" y="12393293"/>
             <a:ext cx="836442" cy="1921916"/>
           </a:xfrm>
           <a:prstGeom prst="rect">
@@ -8342,90 +8337,178 @@
           </a:prstGeom>
         </p:spPr>
       </p:pic>
-      <p:sp>
-        <p:nvSpPr>
-          <p:cNvPr id="150" name="ZoneTexte 149"/>
-          <p:cNvSpPr txBox="1"/>
+      <p:grpSp>
+        <p:nvGrpSpPr>
+          <p:cNvPr id="5" name="Grouper 4"/>
+          <p:cNvGrpSpPr/>
           <p:nvPr/>
-        </p:nvSpPr>
-        <p:spPr>
-          <a:xfrm rot="16200000">
-            <a:off x="18829944" y="14682941"/>
-            <a:ext cx="1558312" cy="461665"/>
+        </p:nvGrpSpPr>
+        <p:grpSpPr>
+          <a:xfrm>
+            <a:off x="18992745" y="14471474"/>
+            <a:ext cx="1179699" cy="1921916"/>
+            <a:chOff x="18660233" y="14138962"/>
+            <a:chExt cx="1179699" cy="1921916"/>
           </a:xfrm>
-          <a:prstGeom prst="rect">
-            <a:avLst/>
-          </a:prstGeom>
-          <a:noFill/>
-        </p:spPr>
-        <p:txBody>
-          <a:bodyPr wrap="none" rtlCol="0">
-            <a:spAutoFit/>
-          </a:bodyPr>
-          <a:lstStyle/>
-          <a:p>
-            <a:r>
-              <a:rPr lang="fr-FR" sz="2400" dirty="0" smtClean="0">
+        </p:grpSpPr>
+        <p:pic>
+          <p:nvPicPr>
+            <p:cNvPr id="143" name="Image 142"/>
+            <p:cNvPicPr>
+              <a:picLocks noChangeAspect="1"/>
+            </p:cNvPicPr>
+            <p:nvPr/>
+          </p:nvPicPr>
+          <p:blipFill rotWithShape="1">
+            <a:blip r:embed="rId15">
+              <a:extLst>
+                <a:ext uri="{28A0092B-C50C-407E-A947-70E740481C1C}">
+                  <a14:useLocalDpi xmlns:a14="http://schemas.microsoft.com/office/drawing/2010/main" val="0"/>
+                </a:ext>
+              </a:extLst>
+            </a:blip>
+            <a:srcRect l="29512" r="26967"/>
+            <a:stretch/>
+          </p:blipFill>
+          <p:spPr>
+            <a:xfrm>
+              <a:off x="18660233" y="14138962"/>
+              <a:ext cx="836442" cy="1921916"/>
+            </a:xfrm>
+            <a:prstGeom prst="rect">
+              <a:avLst/>
+            </a:prstGeom>
+          </p:spPr>
+        </p:pic>
+        <p:sp>
+          <p:nvSpPr>
+            <p:cNvPr id="150" name="ZoneTexte 149"/>
+            <p:cNvSpPr txBox="1"/>
+            <p:nvPr/>
+          </p:nvSpPr>
+          <p:spPr>
+            <a:xfrm rot="16200000">
+              <a:off x="18829944" y="14766069"/>
+              <a:ext cx="1558312" cy="461665"/>
+            </a:xfrm>
+            <a:prstGeom prst="rect">
+              <a:avLst/>
+            </a:prstGeom>
+            <a:noFill/>
+          </p:spPr>
+          <p:txBody>
+            <a:bodyPr wrap="none" rtlCol="0">
+              <a:spAutoFit/>
+            </a:bodyPr>
+            <a:lstStyle/>
+            <a:p>
+              <a:r>
+                <a:rPr lang="fr-FR" sz="2400" dirty="0" smtClean="0">
+                  <a:solidFill>
+                    <a:schemeClr val="accent4">
+                      <a:lumMod val="50000"/>
+                    </a:schemeClr>
+                  </a:solidFill>
+                </a:rPr>
+                <a:t>Production</a:t>
+              </a:r>
+              <a:endParaRPr lang="fr-FR" sz="2200" dirty="0">
                 <a:solidFill>
                   <a:schemeClr val="accent4">
                     <a:lumMod val="50000"/>
                   </a:schemeClr>
                 </a:solidFill>
-              </a:rPr>
-              <a:t>Production</a:t>
-            </a:r>
-            <a:endParaRPr lang="fr-FR" sz="2200" dirty="0">
-              <a:solidFill>
-                <a:schemeClr val="accent4">
-                  <a:lumMod val="50000"/>
-                </a:schemeClr>
-              </a:solidFill>
-            </a:endParaRPr>
-          </a:p>
-        </p:txBody>
-      </p:sp>
-      <p:sp>
-        <p:nvSpPr>
-          <p:cNvPr id="155" name="ZoneTexte 154"/>
-          <p:cNvSpPr txBox="1"/>
+              </a:endParaRPr>
+            </a:p>
+          </p:txBody>
+        </p:sp>
+      </p:grpSp>
+      <p:grpSp>
+        <p:nvGrpSpPr>
+          <p:cNvPr id="8" name="Grouper 7"/>
+          <p:cNvGrpSpPr/>
           <p:nvPr/>
-        </p:nvSpPr>
-        <p:spPr>
-          <a:xfrm rot="16200000">
-            <a:off x="19653947" y="12592978"/>
-            <a:ext cx="1329403" cy="461665"/>
+        </p:nvGrpSpPr>
+        <p:grpSpPr>
+          <a:xfrm>
+            <a:off x="19036849" y="12393293"/>
+            <a:ext cx="1138556" cy="1921916"/>
+            <a:chOff x="19036849" y="12060781"/>
+            <a:chExt cx="1138556" cy="1921916"/>
           </a:xfrm>
-          <a:prstGeom prst="rect">
-            <a:avLst/>
-          </a:prstGeom>
-          <a:noFill/>
-        </p:spPr>
-        <p:txBody>
-          <a:bodyPr wrap="none" rtlCol="0">
-            <a:spAutoFit/>
-          </a:bodyPr>
-          <a:lstStyle/>
-          <a:p>
-            <a:r>
-              <a:rPr lang="fr-FR" sz="2400" dirty="0" smtClean="0">
+        </p:grpSpPr>
+        <p:pic>
+          <p:nvPicPr>
+            <p:cNvPr id="144" name="Image 143"/>
+            <p:cNvPicPr>
+              <a:picLocks noChangeAspect="1"/>
+            </p:cNvPicPr>
+            <p:nvPr/>
+          </p:nvPicPr>
+          <p:blipFill rotWithShape="1">
+            <a:blip r:embed="rId15">
+              <a:extLst>
+                <a:ext uri="{28A0092B-C50C-407E-A947-70E740481C1C}">
+                  <a14:useLocalDpi xmlns:a14="http://schemas.microsoft.com/office/drawing/2010/main" val="0"/>
+                </a:ext>
+              </a:extLst>
+            </a:blip>
+            <a:srcRect l="29512" r="26967"/>
+            <a:stretch/>
+          </p:blipFill>
+          <p:spPr>
+            <a:xfrm>
+              <a:off x="19036849" y="12060781"/>
+              <a:ext cx="836442" cy="1921916"/>
+            </a:xfrm>
+            <a:prstGeom prst="rect">
+              <a:avLst/>
+            </a:prstGeom>
+          </p:spPr>
+        </p:pic>
+        <p:sp>
+          <p:nvSpPr>
+            <p:cNvPr id="155" name="ZoneTexte 154"/>
+            <p:cNvSpPr txBox="1"/>
+            <p:nvPr/>
+          </p:nvSpPr>
+          <p:spPr>
+            <a:xfrm rot="16200000">
+              <a:off x="19279871" y="12790907"/>
+              <a:ext cx="1329403" cy="461665"/>
+            </a:xfrm>
+            <a:prstGeom prst="rect">
+              <a:avLst/>
+            </a:prstGeom>
+            <a:noFill/>
+          </p:spPr>
+          <p:txBody>
+            <a:bodyPr wrap="none" rtlCol="0">
+              <a:spAutoFit/>
+            </a:bodyPr>
+            <a:lstStyle/>
+            <a:p>
+              <a:r>
+                <a:rPr lang="fr-FR" sz="2400" dirty="0" smtClean="0">
+                  <a:solidFill>
+                    <a:schemeClr val="accent4">
+                      <a:lumMod val="50000"/>
+                    </a:schemeClr>
+                  </a:solidFill>
+                </a:rPr>
+                <a:t>Acheteur</a:t>
+              </a:r>
+              <a:endParaRPr lang="fr-FR" sz="2200" dirty="0">
                 <a:solidFill>
                   <a:schemeClr val="accent4">
                     <a:lumMod val="50000"/>
                   </a:schemeClr>
                 </a:solidFill>
-              </a:rPr>
-              <a:t>Acheteur</a:t>
-            </a:r>
-            <a:endParaRPr lang="fr-FR" sz="2200" dirty="0">
-              <a:solidFill>
-                <a:schemeClr val="accent4">
-                  <a:lumMod val="50000"/>
-                </a:schemeClr>
-              </a:solidFill>
-            </a:endParaRPr>
-          </a:p>
-        </p:txBody>
-      </p:sp>
+              </a:endParaRPr>
+            </a:p>
+          </p:txBody>
+        </p:sp>
+      </p:grpSp>
       <p:sp>
         <p:nvSpPr>
           <p:cNvPr id="156" name="ZoneTexte 155"/>
@@ -8434,7 +8517,7 @@
         </p:nvSpPr>
         <p:spPr>
           <a:xfrm rot="16200000">
-            <a:off x="18127224" y="12592978"/>
+            <a:off x="18127224" y="13123419"/>
             <a:ext cx="1245213" cy="461665"/>
           </a:xfrm>
           <a:prstGeom prst="rect">
@@ -8476,7 +8559,7 @@
         </p:nvSpPr>
         <p:spPr>
           <a:xfrm>
-            <a:off x="17097389" y="16546314"/>
+            <a:off x="17097389" y="16837262"/>
             <a:ext cx="3888000" cy="1440000"/>
           </a:xfrm>
           <a:prstGeom prst="rect">
@@ -8497,7 +8580,7 @@
           <a:p>
             <a:pPr algn="just"/>
             <a:r>
-              <a:rPr lang="fr-FR" sz="2800" b="1" i="1" dirty="0" smtClean="0">
+              <a:rPr lang="fr-FR" sz="2800" b="1" dirty="0" smtClean="0">
                 <a:solidFill>
                   <a:schemeClr val="accent4">
                     <a:lumMod val="50000"/>
@@ -8513,7 +8596,13 @@
               <a:buChar char="•"/>
             </a:pPr>
             <a:r>
-              <a:rPr lang="fr-FR" sz="2800" i="1" dirty="0" smtClean="0"/>
+              <a:rPr lang="fr-FR" sz="2800" dirty="0" smtClean="0">
+                <a:solidFill>
+                  <a:schemeClr val="accent4">
+                    <a:lumMod val="50000"/>
+                  </a:schemeClr>
+                </a:solidFill>
+              </a:rPr>
               <a:t>Opérations efficientes</a:t>
             </a:r>
           </a:p>
@@ -8523,10 +8612,22 @@
               <a:buChar char="•"/>
             </a:pPr>
             <a:r>
-              <a:rPr lang="fr-FR" sz="2800" i="1" dirty="0" smtClean="0"/>
+              <a:rPr lang="fr-FR" sz="2800" dirty="0" smtClean="0">
+                <a:solidFill>
+                  <a:schemeClr val="accent4">
+                    <a:lumMod val="50000"/>
+                  </a:schemeClr>
+                </a:solidFill>
+              </a:rPr>
               <a:t>Gains financiers</a:t>
             </a:r>
-            <a:endParaRPr lang="fr-FR" sz="2800" i="1" dirty="0" smtClean="0"/>
+            <a:endParaRPr lang="fr-FR" sz="2800" dirty="0" smtClean="0">
+              <a:solidFill>
+                <a:schemeClr val="accent4">
+                  <a:lumMod val="50000"/>
+                </a:schemeClr>
+              </a:solidFill>
+            </a:endParaRPr>
           </a:p>
         </p:txBody>
       </p:sp>
@@ -8538,7 +8639,7 @@
         </p:nvSpPr>
         <p:spPr>
           <a:xfrm>
-            <a:off x="2403209" y="9818553"/>
+            <a:off x="2403209" y="10151065"/>
             <a:ext cx="2504334" cy="878696"/>
           </a:xfrm>
           <a:prstGeom prst="wedgeRectCallout">
@@ -8603,7 +8704,7 @@
         </p:nvSpPr>
         <p:spPr>
           <a:xfrm>
-            <a:off x="13267626" y="9618447"/>
+            <a:off x="13267626" y="9660011"/>
             <a:ext cx="1080000" cy="1080000"/>
           </a:xfrm>
           <a:prstGeom prst="ellipse">
@@ -8659,7 +8760,7 @@
         </p:nvSpPr>
         <p:spPr>
           <a:xfrm>
-            <a:off x="7443351" y="9582609"/>
+            <a:off x="7443351" y="9624173"/>
             <a:ext cx="1080000" cy="1080000"/>
           </a:xfrm>
           <a:prstGeom prst="ellipse">
@@ -8721,7 +8822,7 @@
         </p:blipFill>
         <p:spPr>
           <a:xfrm rot="18359898">
-            <a:off x="7547294" y="9739460"/>
+            <a:off x="7547294" y="9781024"/>
             <a:ext cx="834872" cy="834872"/>
           </a:xfrm>
           <a:prstGeom prst="rect">
@@ -8737,7 +8838,7 @@
         </p:nvSpPr>
         <p:spPr>
           <a:xfrm>
-            <a:off x="4546569" y="8193889"/>
+            <a:off x="4546569" y="8526401"/>
             <a:ext cx="12543136" cy="584775"/>
           </a:xfrm>
           <a:prstGeom prst="rect">
@@ -8792,8 +8893,8 @@
         </p:nvSpPr>
         <p:spPr>
           <a:xfrm>
-            <a:off x="400233" y="4806751"/>
-            <a:ext cx="20543591" cy="3052118"/>
+            <a:off x="400233" y="4723623"/>
+            <a:ext cx="20543591" cy="3606115"/>
           </a:xfrm>
           <a:prstGeom prst="rect">
             <a:avLst/>
@@ -8827,7 +8928,19 @@
             <a:pPr algn="just"/>
             <a:r>
               <a:rPr lang="fr-FR" sz="3600" dirty="0" smtClean="0"/>
-              <a:t>Le constat simpliste faisant état que </a:t>
+              <a:t>Le constat </a:t>
+            </a:r>
+            <a:r>
+              <a:rPr lang="fr-FR" sz="3600" dirty="0" smtClean="0"/>
+              <a:t>d’une réalité o</a:t>
+            </a:r>
+            <a:r>
+              <a:rPr lang="fr-CH" sz="3600" dirty="0" err="1" smtClean="0"/>
+              <a:t>ù</a:t>
+            </a:r>
+            <a:r>
+              <a:rPr lang="fr-FR" sz="3600" dirty="0" smtClean="0"/>
+              <a:t> </a:t>
             </a:r>
             <a:r>
               <a:rPr lang="fr-FR" sz="3600" dirty="0"/>
@@ -8835,12 +8948,21 @@
             </a:r>
             <a:r>
               <a:rPr lang="fr-FR" sz="3600" dirty="0" smtClean="0"/>
-              <a:t>tendent à s’informatiser . </a:t>
+              <a:t>tendent, de plus en plus, à informatiser l’entier de leurs processus, implique </a:t>
             </a:r>
             <a:r>
               <a:rPr lang="fr-FR" sz="3600" dirty="0"/>
-              <a:t>Cela implique que les étudiants :</a:t>
-            </a:r>
+              <a:t>que les </a:t>
+            </a:r>
+            <a:r>
+              <a:rPr lang="fr-FR" sz="3600" dirty="0" smtClean="0"/>
+              <a:t>étudiants de nos filières et futurs professionnels </a:t>
+            </a:r>
+            <a:r>
+              <a:rPr lang="fr-FR" sz="3600" dirty="0"/>
+              <a:t>:</a:t>
+            </a:r>
+            <a:endParaRPr lang="fr-FR" sz="3600" dirty="0"/>
           </a:p>
           <a:p>
             <a:pPr marL="571500" indent="-571500" algn="just">
@@ -8853,7 +8975,15 @@
             </a:r>
             <a:r>
               <a:rPr lang="fr-CH" sz="3600" dirty="0" smtClean="0"/>
-              <a:t>des aptitudes nécessaires à l’exploitation d’un outil informatique tel qu’un PGI</a:t>
+              <a:t>d’aptitudes </a:t>
+            </a:r>
+            <a:r>
+              <a:rPr lang="fr-CH" sz="3600" dirty="0" smtClean="0"/>
+              <a:t>nécessaires à l’exploitation d’un </a:t>
+            </a:r>
+            <a:r>
+              <a:rPr lang="fr-CH" sz="3600" dirty="0" smtClean="0"/>
+              <a:t>PGI</a:t>
             </a:r>
             <a:endParaRPr lang="fr-CH" sz="3600" dirty="0"/>
           </a:p>
@@ -8868,7 +8998,11 @@
             </a:r>
             <a:r>
               <a:rPr lang="fr-CH" sz="3600" dirty="0" smtClean="0"/>
-              <a:t>aligner les stratégies de l’entreprise dans le système d’informations</a:t>
+              <a:t>aligner </a:t>
+            </a:r>
+            <a:r>
+              <a:rPr lang="fr-CH" sz="3600" dirty="0" smtClean="0"/>
+              <a:t>stratégies d’entreprise avec un système d’informations informatisé</a:t>
             </a:r>
             <a:endParaRPr lang="fr-CH" sz="3600" dirty="0"/>
           </a:p>
@@ -8878,12 +9012,16 @@
               <a:buChar char="•"/>
             </a:pPr>
             <a:r>
+              <a:rPr lang="fr-CH" sz="3600" dirty="0" smtClean="0"/>
+              <a:t>Aient de l’expérience en gestion d’entreprise acquise en pratiquant </a:t>
+            </a:r>
+            <a:r>
               <a:rPr lang="fr-CH" sz="3600" dirty="0"/>
-              <a:t>Acquièrent de l’expérience pratique dans des conditions semblables à celles de </a:t>
+              <a:t>dans des conditions </a:t>
             </a:r>
             <a:r>
               <a:rPr lang="fr-CH" sz="3600" dirty="0" smtClean="0"/>
-              <a:t>l’industrie</a:t>
+              <a:t>réalistes</a:t>
             </a:r>
             <a:endParaRPr lang="fr-FR" sz="3600" dirty="0"/>
           </a:p>
@@ -8897,7 +9035,7 @@
         </p:nvSpPr>
         <p:spPr>
           <a:xfrm>
-            <a:off x="10775109" y="18300641"/>
+            <a:off x="10775109" y="18425333"/>
             <a:ext cx="10080000" cy="9777035"/>
           </a:xfrm>
           <a:prstGeom prst="rect">
@@ -9424,7 +9562,7 @@
         </p:nvSpPr>
         <p:spPr>
           <a:xfrm>
-            <a:off x="400234" y="18282069"/>
+            <a:off x="400234" y="18406761"/>
             <a:ext cx="10080000" cy="9782165"/>
           </a:xfrm>
           <a:prstGeom prst="rect">
@@ -9620,13 +9758,8 @@
             </a:pPr>
             <a:r>
               <a:rPr lang="fr-CH" sz="3600" dirty="0" smtClean="0"/>
-              <a:t>Concepts théoriques </a:t>
-            </a:r>
-            <a:r>
-              <a:rPr lang="fr-CH" sz="3600" smtClean="0"/>
-              <a:t>fortement assimilés</a:t>
-            </a:r>
-            <a:endParaRPr lang="fr-CH" sz="3600" dirty="0" smtClean="0"/>
+              <a:t>Concepts théoriques fortement assimilés</a:t>
+            </a:r>
           </a:p>
           <a:p>
             <a:pPr algn="just">
@@ -9687,7 +9820,7 @@
         </p:nvSpPr>
         <p:spPr>
           <a:xfrm>
-            <a:off x="10816673" y="9315875"/>
+            <a:off x="10816673" y="9357439"/>
             <a:ext cx="2376000" cy="1656000"/>
           </a:xfrm>
           <a:prstGeom prst="rightArrow">
@@ -9747,7 +9880,7 @@
         </p:nvSpPr>
         <p:spPr>
           <a:xfrm flipH="1">
-            <a:off x="8555751" y="9316447"/>
+            <a:off x="8555751" y="9358011"/>
             <a:ext cx="2232000" cy="1656000"/>
           </a:xfrm>
           <a:prstGeom prst="rightArrow">
@@ -9820,7 +9953,7 @@
         </p:blipFill>
         <p:spPr>
           <a:xfrm>
-            <a:off x="4965319" y="9828430"/>
+            <a:off x="4965319" y="10160942"/>
             <a:ext cx="471500" cy="1080000"/>
           </a:xfrm>
           <a:prstGeom prst="rect">
@@ -9828,6 +9961,87 @@
           </a:prstGeom>
         </p:spPr>
       </p:pic>
+      <p:sp>
+        <p:nvSpPr>
+          <p:cNvPr id="61" name="ZoneTexte 60"/>
+          <p:cNvSpPr txBox="1"/>
+          <p:nvPr/>
+        </p:nvSpPr>
+        <p:spPr>
+          <a:xfrm>
+            <a:off x="10955629" y="16891757"/>
+            <a:ext cx="5734405" cy="1077218"/>
+          </a:xfrm>
+          <a:prstGeom prst="rect">
+            <a:avLst/>
+          </a:prstGeom>
+          <a:noFill/>
+        </p:spPr>
+        <p:txBody>
+          <a:bodyPr wrap="square" rtlCol="0">
+            <a:spAutoFit/>
+          </a:bodyPr>
+          <a:lstStyle/>
+          <a:p>
+            <a:pPr algn="ctr"/>
+            <a:r>
+              <a:rPr lang="fr-FR" sz="3200" b="1" dirty="0" smtClean="0">
+                <a:solidFill>
+                  <a:srgbClr val="A34589"/>
+                </a:solidFill>
+              </a:rPr>
+              <a:t>Instance d’une des équipes Brewery &amp; Co.</a:t>
+            </a:r>
+            <a:endParaRPr lang="fr-FR" sz="3200" b="1" dirty="0">
+              <a:solidFill>
+                <a:srgbClr val="A34589"/>
+              </a:solidFill>
+            </a:endParaRPr>
+          </a:p>
+        </p:txBody>
+      </p:sp>
+      <p:sp>
+        <p:nvSpPr>
+          <p:cNvPr id="9" name="ZoneTexte 8"/>
+          <p:cNvSpPr txBox="1"/>
+          <p:nvPr/>
+        </p:nvSpPr>
+        <p:spPr>
+          <a:xfrm rot="16200000">
+            <a:off x="17286402" y="13079567"/>
+            <a:ext cx="6507487" cy="584775"/>
+          </a:xfrm>
+          <a:prstGeom prst="rect">
+            <a:avLst/>
+          </a:prstGeom>
+          <a:noFill/>
+        </p:spPr>
+        <p:txBody>
+          <a:bodyPr wrap="none" rtlCol="0">
+            <a:spAutoFit/>
+          </a:bodyPr>
+          <a:lstStyle/>
+          <a:p>
+            <a:r>
+              <a:rPr lang="fr-FR" sz="3200" b="1" dirty="0" smtClean="0">
+                <a:solidFill>
+                  <a:schemeClr val="accent4">
+                    <a:lumMod val="50000"/>
+                  </a:schemeClr>
+                </a:solidFill>
+              </a:rPr>
+              <a:t>Interactions directes sur IHM du PGI</a:t>
+            </a:r>
+            <a:endParaRPr lang="fr-FR" sz="3200" b="1" dirty="0">
+              <a:solidFill>
+                <a:schemeClr val="accent4">
+                  <a:lumMod val="50000"/>
+                </a:schemeClr>
+              </a:solidFill>
+            </a:endParaRPr>
+          </a:p>
+        </p:txBody>
+      </p:sp>
     </p:spTree>
     <p:extLst>
       <p:ext uri="{BB962C8B-B14F-4D97-AF65-F5344CB8AC3E}">

--- a/TB.Poster_VF.pptx
+++ b/TB.Poster_VF.pptx
@@ -6626,7 +6626,7 @@
         </p:blipFill>
         <p:spPr>
           <a:xfrm>
-            <a:off x="2161892" y="9438275"/>
+            <a:off x="2161892" y="9297968"/>
             <a:ext cx="7640527" cy="4863477"/>
           </a:xfrm>
           <a:prstGeom prst="rect">
@@ -6642,7 +6642,7 @@
         </p:nvSpPr>
         <p:spPr>
           <a:xfrm>
-            <a:off x="2098419" y="9181291"/>
+            <a:off x="2098419" y="9040984"/>
             <a:ext cx="8541771" cy="8898639"/>
           </a:xfrm>
           <a:prstGeom prst="roundRect">
@@ -6692,7 +6692,7 @@
         </p:nvSpPr>
         <p:spPr>
           <a:xfrm>
-            <a:off x="3225391" y="9184748"/>
+            <a:off x="3225391" y="9044441"/>
             <a:ext cx="3600000" cy="769441"/>
           </a:xfrm>
           <a:prstGeom prst="rect">
@@ -6738,7 +6738,7 @@
         </p:nvSpPr>
         <p:spPr>
           <a:xfrm>
-            <a:off x="1915193" y="8512141"/>
+            <a:off x="1915193" y="8371834"/>
             <a:ext cx="14976000" cy="9792000"/>
           </a:xfrm>
           <a:prstGeom prst="rect">
@@ -6788,7 +6788,7 @@
         </p:nvSpPr>
         <p:spPr>
           <a:xfrm>
-            <a:off x="400234" y="8512141"/>
+            <a:off x="400234" y="8371834"/>
             <a:ext cx="1440000" cy="9792000"/>
           </a:xfrm>
           <a:prstGeom prst="rect">
@@ -6837,7 +6837,7 @@
         </p:nvSpPr>
         <p:spPr>
           <a:xfrm rot="16200000">
-            <a:off x="-3763322" y="13195502"/>
+            <a:off x="-3763322" y="13055195"/>
             <a:ext cx="9720000" cy="769441"/>
           </a:xfrm>
           <a:prstGeom prst="rect">
@@ -6889,7 +6889,7 @@
         </p:blipFill>
         <p:spPr>
           <a:xfrm>
-            <a:off x="3649136" y="11962037"/>
+            <a:off x="3649136" y="11821730"/>
             <a:ext cx="471500" cy="1080000"/>
           </a:xfrm>
           <a:prstGeom prst="rect">
@@ -6918,7 +6918,7 @@
         </p:blipFill>
         <p:spPr>
           <a:xfrm>
-            <a:off x="4685595" y="11962036"/>
+            <a:off x="4685595" y="11821729"/>
             <a:ext cx="471500" cy="1080000"/>
           </a:xfrm>
           <a:prstGeom prst="rect">
@@ -6947,7 +6947,7 @@
         </p:blipFill>
         <p:spPr>
           <a:xfrm>
-            <a:off x="4172493" y="11962037"/>
+            <a:off x="4172493" y="11821730"/>
             <a:ext cx="471500" cy="1080000"/>
           </a:xfrm>
           <a:prstGeom prst="rect">
@@ -6963,7 +6963,7 @@
         </p:nvSpPr>
         <p:spPr>
           <a:xfrm>
-            <a:off x="7229986" y="12344881"/>
+            <a:off x="7229986" y="12204574"/>
             <a:ext cx="3248042" cy="1623633"/>
           </a:xfrm>
           <a:prstGeom prst="wedgeEllipseCallout">
@@ -7063,13 +7063,13 @@
           <p:nvPr>
             <p:extLst>
               <p:ext uri="{D42A27DB-BD31-4B8C-83A1-F6EECF244321}">
-                <p14:modId xmlns:p14="http://schemas.microsoft.com/office/powerpoint/2010/main" val="2128423916"/>
+                <p14:modId xmlns:p14="http://schemas.microsoft.com/office/powerpoint/2010/main" val="310330309"/>
               </p:ext>
             </p:extLst>
           </p:nvPr>
         </p:nvGraphicFramePr>
         <p:xfrm>
-          <a:off x="2575547" y="14154664"/>
+          <a:off x="2575547" y="14014357"/>
           <a:ext cx="2993250" cy="2720106"/>
         </p:xfrm>
         <a:graphic>
@@ -7294,7 +7294,7 @@
         </p:nvSpPr>
         <p:spPr>
           <a:xfrm>
-            <a:off x="2061706" y="16968309"/>
+            <a:off x="2061706" y="16828002"/>
             <a:ext cx="3590219" cy="830997"/>
           </a:xfrm>
           <a:prstGeom prst="rect">
@@ -7350,7 +7350,7 @@
         </p:blipFill>
         <p:spPr>
           <a:xfrm>
-            <a:off x="6592229" y="10127129"/>
+            <a:off x="6592229" y="9986822"/>
             <a:ext cx="471500" cy="1080000"/>
           </a:xfrm>
           <a:prstGeom prst="rect">
@@ -7379,7 +7379,7 @@
         </p:blipFill>
         <p:spPr>
           <a:xfrm>
-            <a:off x="6079127" y="10127130"/>
+            <a:off x="6079127" y="9986823"/>
             <a:ext cx="471500" cy="1080000"/>
           </a:xfrm>
           <a:prstGeom prst="rect">
@@ -7408,7 +7408,7 @@
         </p:blipFill>
         <p:spPr>
           <a:xfrm>
-            <a:off x="7306370" y="11076376"/>
+            <a:off x="7306370" y="10936069"/>
             <a:ext cx="471500" cy="1080000"/>
           </a:xfrm>
           <a:prstGeom prst="rect">
@@ -7437,7 +7437,7 @@
         </p:blipFill>
         <p:spPr>
           <a:xfrm>
-            <a:off x="8476008" y="11076376"/>
+            <a:off x="8476008" y="10936069"/>
             <a:ext cx="471500" cy="1080000"/>
           </a:xfrm>
           <a:prstGeom prst="rect">
@@ -7466,7 +7466,7 @@
         </p:blipFill>
         <p:spPr>
           <a:xfrm>
-            <a:off x="6384409" y="12289648"/>
+            <a:off x="6384409" y="12149341"/>
             <a:ext cx="471500" cy="1080000"/>
           </a:xfrm>
           <a:prstGeom prst="rect">
@@ -7495,7 +7495,7 @@
         </p:blipFill>
         <p:spPr>
           <a:xfrm>
-            <a:off x="5253149" y="11988962"/>
+            <a:off x="5253149" y="11848655"/>
             <a:ext cx="471500" cy="1080000"/>
           </a:xfrm>
           <a:prstGeom prst="rect">
@@ -7511,7 +7511,7 @@
         </p:nvGrpSpPr>
         <p:grpSpPr>
           <a:xfrm>
-            <a:off x="6271557" y="14046211"/>
+            <a:off x="6271557" y="13905904"/>
             <a:ext cx="4236174" cy="1251020"/>
             <a:chOff x="6827783" y="9348941"/>
             <a:chExt cx="4236174" cy="1251020"/>
@@ -7646,7 +7646,7 @@
         </p:nvSpPr>
         <p:spPr>
           <a:xfrm>
-            <a:off x="5632894" y="15174492"/>
+            <a:off x="5632894" y="15034185"/>
             <a:ext cx="4778676" cy="2739211"/>
           </a:xfrm>
           <a:prstGeom prst="rect">
@@ -7695,7 +7695,31 @@
             </a:r>
             <a:r>
               <a:rPr lang="fr-FR" sz="2800" i="1" dirty="0" smtClean="0"/>
-              <a:t>qu’elle commercialise dans 3 régions Suisse. Puis, elle écoule ses stocks dans 3 canaux de distribution. </a:t>
+              <a:t>qu’elle commercialise dans 3 régions </a:t>
+            </a:r>
+            <a:r>
+              <a:rPr lang="fr-FR" sz="2800" i="1" dirty="0"/>
+              <a:t>s</a:t>
+            </a:r>
+            <a:r>
+              <a:rPr lang="fr-FR" sz="2800" i="1" dirty="0" smtClean="0"/>
+              <a:t>uisses. </a:t>
+            </a:r>
+            <a:r>
+              <a:rPr lang="fr-FR" sz="2800" i="1" dirty="0" smtClean="0"/>
+              <a:t>Puis, elle écoule ses stocks </a:t>
+            </a:r>
+            <a:r>
+              <a:rPr lang="fr-FR" sz="2800" i="1" dirty="0" smtClean="0"/>
+              <a:t>par</a:t>
+            </a:r>
+            <a:r>
+              <a:rPr lang="fr-FR" sz="2800" i="1" dirty="0" smtClean="0"/>
+              <a:t> </a:t>
+            </a:r>
+            <a:r>
+              <a:rPr lang="fr-FR" sz="2800" i="1" dirty="0" smtClean="0"/>
+              <a:t>3 canaux de distribution. </a:t>
             </a:r>
           </a:p>
         </p:txBody>
@@ -7708,7 +7732,7 @@
         </p:nvSpPr>
         <p:spPr>
           <a:xfrm>
-            <a:off x="10955630" y="9181291"/>
+            <a:off x="10955630" y="9040984"/>
             <a:ext cx="5760000" cy="8898639"/>
           </a:xfrm>
           <a:prstGeom prst="roundRect">
@@ -7759,13 +7783,13 @@
           <p:nvPr>
             <p:extLst>
               <p:ext uri="{D42A27DB-BD31-4B8C-83A1-F6EECF244321}">
-                <p14:modId xmlns:p14="http://schemas.microsoft.com/office/powerpoint/2010/main" val="1785648133"/>
+                <p14:modId xmlns:p14="http://schemas.microsoft.com/office/powerpoint/2010/main" val="1631208447"/>
               </p:ext>
             </p:extLst>
           </p:nvPr>
         </p:nvGraphicFramePr>
         <p:xfrm>
-          <a:off x="10775109" y="10957786"/>
+          <a:off x="10775109" y="10817479"/>
           <a:ext cx="6084000" cy="4991110"/>
         </p:xfrm>
         <a:graphic>
@@ -7796,7 +7820,7 @@
         </p:blipFill>
         <p:spPr>
           <a:xfrm>
-            <a:off x="12467098" y="15972256"/>
+            <a:off x="12467098" y="15831949"/>
             <a:ext cx="2674137" cy="900000"/>
           </a:xfrm>
           <a:prstGeom prst="rect">
@@ -7812,7 +7836,7 @@
         </p:nvSpPr>
         <p:spPr>
           <a:xfrm>
-            <a:off x="17085083" y="10076646"/>
+            <a:off x="17085083" y="9936339"/>
             <a:ext cx="3786130" cy="6624000"/>
           </a:xfrm>
           <a:prstGeom prst="rect">
@@ -7867,8 +7891,8 @@
         </p:nvSpPr>
         <p:spPr>
           <a:xfrm>
-            <a:off x="15256303" y="11097977"/>
-            <a:ext cx="3564000" cy="1080000"/>
+            <a:off x="14634511" y="10957670"/>
+            <a:ext cx="4176000" cy="1080000"/>
           </a:xfrm>
           <a:prstGeom prst="leftArrow">
             <a:avLst/>
@@ -7907,16 +7931,16 @@
           <a:p>
             <a:pPr algn="ctr"/>
             <a:r>
-              <a:rPr lang="fr-FR" sz="3200" dirty="0" smtClean="0">
+              <a:rPr lang="fr-FR" sz="2400" dirty="0" smtClean="0">
                 <a:solidFill>
                   <a:schemeClr val="accent4">
                     <a:lumMod val="50000"/>
                   </a:schemeClr>
                 </a:solidFill>
               </a:rPr>
-              <a:t>Calcul des besoins</a:t>
-            </a:r>
-            <a:endParaRPr lang="fr-FR" sz="3200" dirty="0">
+              <a:t>MRP et requis indépendants</a:t>
+            </a:r>
+            <a:endParaRPr lang="fr-FR" sz="2400" dirty="0">
               <a:solidFill>
                 <a:schemeClr val="accent4">
                   <a:lumMod val="50000"/>
@@ -7934,8 +7958,8 @@
         </p:nvSpPr>
         <p:spPr>
           <a:xfrm>
-            <a:off x="15256303" y="14797765"/>
-            <a:ext cx="3564000" cy="1080000"/>
+            <a:off x="14634511" y="14657458"/>
+            <a:ext cx="4176000" cy="1080000"/>
           </a:xfrm>
           <a:prstGeom prst="leftArrow">
             <a:avLst/>
@@ -7974,7 +7998,7 @@
           <a:p>
             <a:pPr algn="ctr"/>
             <a:r>
-              <a:rPr lang="fr-FR" sz="3200" dirty="0" smtClean="0">
+              <a:rPr lang="fr-FR" sz="2400" dirty="0" smtClean="0">
                 <a:solidFill>
                   <a:schemeClr val="accent4">
                     <a:lumMod val="50000"/>
@@ -7984,7 +8008,7 @@
               <a:t>Ordre fabri</a:t>
             </a:r>
             <a:r>
-              <a:rPr lang="fr-FR" sz="3200" dirty="0" smtClean="0">
+              <a:rPr lang="fr-FR" sz="2400" dirty="0" smtClean="0">
                 <a:solidFill>
                   <a:schemeClr val="accent4">
                     <a:lumMod val="50000"/>
@@ -7993,7 +8017,7 @@
               </a:rPr>
               <a:t>cation</a:t>
             </a:r>
-            <a:endParaRPr lang="fr-FR" sz="3200" dirty="0">
+            <a:endParaRPr lang="fr-FR" sz="2400" dirty="0">
               <a:solidFill>
                 <a:schemeClr val="accent4">
                   <a:lumMod val="50000"/>
@@ -8011,8 +8035,8 @@
         </p:nvSpPr>
         <p:spPr>
           <a:xfrm>
-            <a:off x="12953763" y="12836252"/>
-            <a:ext cx="1730686" cy="1080000"/>
+            <a:off x="12478275" y="12695945"/>
+            <a:ext cx="2124000" cy="1080000"/>
           </a:xfrm>
           <a:prstGeom prst="leftArrow">
             <a:avLst/>
@@ -8051,16 +8075,16 @@
           <a:p>
             <a:pPr algn="ctr"/>
             <a:r>
-              <a:rPr lang="fr-FR" sz="3200" dirty="0" smtClean="0">
+              <a:rPr lang="fr-FR" sz="2400" dirty="0" smtClean="0">
                 <a:solidFill>
                   <a:schemeClr val="accent4">
                     <a:lumMod val="50000"/>
                   </a:schemeClr>
                 </a:solidFill>
               </a:rPr>
-              <a:t>Prix</a:t>
-            </a:r>
-            <a:endParaRPr lang="fr-FR" sz="3200" dirty="0">
+              <a:t>Changer prix</a:t>
+            </a:r>
+            <a:endParaRPr lang="fr-FR" sz="2800" dirty="0">
               <a:solidFill>
                 <a:schemeClr val="accent4">
                   <a:lumMod val="50000"/>
@@ -8078,7 +8102,7 @@
         </p:nvSpPr>
         <p:spPr>
           <a:xfrm>
-            <a:off x="17033293" y="8538785"/>
+            <a:off x="17033293" y="8398478"/>
             <a:ext cx="3888000" cy="1440000"/>
           </a:xfrm>
           <a:prstGeom prst="rect">
@@ -8163,7 +8187,7 @@
         </p:nvGrpSpPr>
         <p:grpSpPr>
           <a:xfrm>
-            <a:off x="18992745" y="10260626"/>
+            <a:off x="19102473" y="10120319"/>
             <a:ext cx="1179699" cy="1939724"/>
             <a:chOff x="18493977" y="9928114"/>
             <a:chExt cx="1179699" cy="1939724"/>
@@ -8249,8 +8273,8 @@
         </p:nvSpPr>
         <p:spPr>
           <a:xfrm>
-            <a:off x="16715631" y="12836252"/>
-            <a:ext cx="1051094" cy="1080000"/>
+            <a:off x="16240143" y="12695945"/>
+            <a:ext cx="1692000" cy="1080000"/>
           </a:xfrm>
           <a:prstGeom prst="leftArrow">
             <a:avLst/>
@@ -8289,16 +8313,16 @@
           <a:p>
             <a:pPr algn="ctr"/>
             <a:r>
-              <a:rPr lang="fr-FR" sz="3200" dirty="0" smtClean="0">
+              <a:rPr lang="fr-FR" sz="2400" dirty="0" smtClean="0">
                 <a:solidFill>
                   <a:schemeClr val="accent4">
                     <a:lumMod val="50000"/>
                   </a:schemeClr>
                 </a:solidFill>
               </a:rPr>
-              <a:t>OA</a:t>
-            </a:r>
-            <a:endParaRPr lang="fr-FR" sz="3200" dirty="0">
+              <a:t>Achat MP</a:t>
+            </a:r>
+            <a:endParaRPr lang="fr-FR" sz="2800" dirty="0">
               <a:solidFill>
                 <a:schemeClr val="accent4">
                   <a:lumMod val="50000"/>
@@ -8308,35 +8332,6 @@
           </a:p>
         </p:txBody>
       </p:sp>
-      <p:pic>
-        <p:nvPicPr>
-          <p:cNvPr id="145" name="Image 144"/>
-          <p:cNvPicPr>
-            <a:picLocks noChangeAspect="1"/>
-          </p:cNvPicPr>
-          <p:nvPr/>
-        </p:nvPicPr>
-        <p:blipFill rotWithShape="1">
-          <a:blip r:embed="rId15">
-            <a:extLst>
-              <a:ext uri="{28A0092B-C50C-407E-A947-70E740481C1C}">
-                <a14:useLocalDpi xmlns:a14="http://schemas.microsoft.com/office/drawing/2010/main" val="0"/>
-              </a:ext>
-            </a:extLst>
-          </a:blip>
-          <a:srcRect l="29512" r="26967"/>
-          <a:stretch/>
-        </p:blipFill>
-        <p:spPr>
-          <a:xfrm>
-            <a:off x="17809781" y="12393293"/>
-            <a:ext cx="836442" cy="1921916"/>
-          </a:xfrm>
-          <a:prstGeom prst="rect">
-            <a:avLst/>
-          </a:prstGeom>
-        </p:spPr>
-      </p:pic>
       <p:grpSp>
         <p:nvGrpSpPr>
           <p:cNvPr id="5" name="Grouper 4"/>
@@ -8345,7 +8340,7 @@
         </p:nvGrpSpPr>
         <p:grpSpPr>
           <a:xfrm>
-            <a:off x="18992745" y="14471474"/>
+            <a:off x="19102473" y="14331167"/>
             <a:ext cx="1179699" cy="1921916"/>
             <a:chOff x="18660233" y="14138962"/>
             <a:chExt cx="1179699" cy="1921916"/>
@@ -8431,10 +8426,10 @@
         </p:nvGrpSpPr>
         <p:grpSpPr>
           <a:xfrm>
-            <a:off x="19036849" y="12393293"/>
-            <a:ext cx="1138556" cy="1921916"/>
+            <a:off x="19146577" y="12252986"/>
+            <a:ext cx="1138555" cy="1921916"/>
             <a:chOff x="19036849" y="12060781"/>
-            <a:chExt cx="1138556" cy="1921916"/>
+            <a:chExt cx="1138555" cy="1921916"/>
           </a:xfrm>
         </p:grpSpPr>
         <p:pic>
@@ -8474,8 +8469,8 @@
           </p:nvSpPr>
           <p:spPr>
             <a:xfrm rot="16200000">
-              <a:off x="19279871" y="12790907"/>
-              <a:ext cx="1329403" cy="461665"/>
+              <a:off x="19321965" y="12790907"/>
+              <a:ext cx="1245213" cy="461665"/>
             </a:xfrm>
             <a:prstGeom prst="rect">
               <a:avLst/>
@@ -8496,7 +8491,17 @@
                     </a:schemeClr>
                   </a:solidFill>
                 </a:rPr>
-                <a:t>Acheteur</a:t>
+                <a:t>Vende</a:t>
+              </a:r>
+              <a:r>
+                <a:rPr lang="fr-FR" sz="2400" dirty="0" smtClean="0">
+                  <a:solidFill>
+                    <a:schemeClr val="accent4">
+                      <a:lumMod val="50000"/>
+                    </a:schemeClr>
+                  </a:solidFill>
+                </a:rPr>
+                <a:t>ur</a:t>
               </a:r>
               <a:endParaRPr lang="fr-FR" sz="2200" dirty="0">
                 <a:solidFill>
@@ -8511,55 +8516,13 @@
       </p:grpSp>
       <p:sp>
         <p:nvSpPr>
-          <p:cNvPr id="156" name="ZoneTexte 155"/>
-          <p:cNvSpPr txBox="1"/>
-          <p:nvPr/>
-        </p:nvSpPr>
-        <p:spPr>
-          <a:xfrm rot="16200000">
-            <a:off x="18127224" y="13123419"/>
-            <a:ext cx="1245213" cy="461665"/>
-          </a:xfrm>
-          <a:prstGeom prst="rect">
-            <a:avLst/>
-          </a:prstGeom>
-          <a:noFill/>
-        </p:spPr>
-        <p:txBody>
-          <a:bodyPr wrap="none" rtlCol="0">
-            <a:spAutoFit/>
-          </a:bodyPr>
-          <a:lstStyle/>
-          <a:p>
-            <a:r>
-              <a:rPr lang="fr-FR" sz="2400" dirty="0" smtClean="0">
-                <a:solidFill>
-                  <a:schemeClr val="accent4">
-                    <a:lumMod val="50000"/>
-                  </a:schemeClr>
-                </a:solidFill>
-              </a:rPr>
-              <a:t>Vendeur</a:t>
-            </a:r>
-            <a:endParaRPr lang="fr-FR" sz="2200" dirty="0">
-              <a:solidFill>
-                <a:schemeClr val="accent4">
-                  <a:lumMod val="50000"/>
-                </a:schemeClr>
-              </a:solidFill>
-            </a:endParaRPr>
-          </a:p>
-        </p:txBody>
-      </p:sp>
-      <p:sp>
-        <p:nvSpPr>
           <p:cNvPr id="157" name="ZoneTexte 156"/>
           <p:cNvSpPr txBox="1"/>
           <p:nvPr/>
         </p:nvSpPr>
         <p:spPr>
           <a:xfrm>
-            <a:off x="17097389" y="16837262"/>
+            <a:off x="17097389" y="16696955"/>
             <a:ext cx="3888000" cy="1440000"/>
           </a:xfrm>
           <a:prstGeom prst="rect">
@@ -8639,7 +8602,7 @@
         </p:nvSpPr>
         <p:spPr>
           <a:xfrm>
-            <a:off x="2403209" y="10151065"/>
+            <a:off x="2403209" y="10010758"/>
             <a:ext cx="2504334" cy="878696"/>
           </a:xfrm>
           <a:prstGeom prst="wedgeRectCallout">
@@ -8704,7 +8667,7 @@
         </p:nvSpPr>
         <p:spPr>
           <a:xfrm>
-            <a:off x="13267626" y="9660011"/>
+            <a:off x="13267626" y="9519704"/>
             <a:ext cx="1080000" cy="1080000"/>
           </a:xfrm>
           <a:prstGeom prst="ellipse">
@@ -8760,7 +8723,7 @@
         </p:nvSpPr>
         <p:spPr>
           <a:xfrm>
-            <a:off x="7443351" y="9624173"/>
+            <a:off x="7443351" y="9483866"/>
             <a:ext cx="1080000" cy="1080000"/>
           </a:xfrm>
           <a:prstGeom prst="ellipse">
@@ -8822,7 +8785,7 @@
         </p:blipFill>
         <p:spPr>
           <a:xfrm rot="18359898">
-            <a:off x="7547294" y="9781024"/>
+            <a:off x="7547294" y="9640717"/>
             <a:ext cx="834872" cy="834872"/>
           </a:xfrm>
           <a:prstGeom prst="rect">
@@ -8838,7 +8801,7 @@
         </p:nvSpPr>
         <p:spPr>
           <a:xfrm>
-            <a:off x="4546569" y="8526401"/>
+            <a:off x="4546569" y="8386094"/>
             <a:ext cx="12543136" cy="584775"/>
           </a:xfrm>
           <a:prstGeom prst="rect">
@@ -8893,8 +8856,8 @@
         </p:nvSpPr>
         <p:spPr>
           <a:xfrm>
-            <a:off x="400233" y="4723623"/>
-            <a:ext cx="20543591" cy="3606115"/>
+            <a:off x="400230" y="4689756"/>
+            <a:ext cx="10080000" cy="3477875"/>
           </a:xfrm>
           <a:prstGeom prst="rect">
             <a:avLst/>
@@ -8909,121 +8872,56 @@
           <a:p>
             <a:pPr algn="just">
               <a:spcBef>
-                <a:spcPts val="1000"/>
+                <a:spcPts val="600"/>
               </a:spcBef>
               <a:spcAft>
-                <a:spcPts val="1000"/>
+                <a:spcPts val="600"/>
               </a:spcAft>
             </a:pPr>
             <a:r>
-              <a:rPr lang="fr-FR" sz="4000" dirty="0">
+              <a:rPr lang="fr-CH" sz="4000" dirty="0">
                 <a:solidFill>
                   <a:srgbClr val="008AC9"/>
                 </a:solidFill>
               </a:rPr>
-              <a:t>OdooSIM en réponse à quel besoin?</a:t>
-            </a:r>
+              <a:t>Un </a:t>
+            </a:r>
+            <a:r>
+              <a:rPr lang="fr-CH" sz="4000" dirty="0" smtClean="0">
+                <a:solidFill>
+                  <a:srgbClr val="008AC9"/>
+                </a:solidFill>
+              </a:rPr>
+              <a:t>constat</a:t>
+            </a:r>
+            <a:r>
+              <a:rPr lang="is-IS" sz="4000" dirty="0" smtClean="0">
+                <a:solidFill>
+                  <a:srgbClr val="008AC9"/>
+                </a:solidFill>
+              </a:rPr>
+              <a:t>…</a:t>
+            </a:r>
+            <a:endParaRPr lang="fr-FR" sz="4000" dirty="0">
+              <a:solidFill>
+                <a:srgbClr val="008AC9"/>
+              </a:solidFill>
+            </a:endParaRPr>
           </a:p>
           <a:p>
             <a:pPr algn="just"/>
             <a:r>
-              <a:rPr lang="fr-FR" sz="3600" dirty="0" smtClean="0"/>
-              <a:t>Le constat </a:t>
-            </a:r>
-            <a:r>
-              <a:rPr lang="fr-FR" sz="3600" dirty="0" smtClean="0"/>
-              <a:t>d’une réalité o</a:t>
-            </a:r>
-            <a:r>
-              <a:rPr lang="fr-CH" sz="3600" dirty="0" err="1" smtClean="0"/>
-              <a:t>ù</a:t>
-            </a:r>
-            <a:r>
-              <a:rPr lang="fr-FR" sz="3600" dirty="0" smtClean="0"/>
-              <a:t> </a:t>
-            </a:r>
-            <a:r>
-              <a:rPr lang="fr-FR" sz="3600" dirty="0"/>
-              <a:t>les entreprises </a:t>
-            </a:r>
-            <a:r>
-              <a:rPr lang="fr-FR" sz="3600" dirty="0" smtClean="0"/>
-              <a:t>tendent, de plus en plus, à informatiser l’entier de leurs processus, implique </a:t>
-            </a:r>
-            <a:r>
-              <a:rPr lang="fr-FR" sz="3600" dirty="0"/>
-              <a:t>que les </a:t>
-            </a:r>
-            <a:r>
-              <a:rPr lang="fr-FR" sz="3600" dirty="0" smtClean="0"/>
-              <a:t>étudiants de nos filières et futurs professionnels </a:t>
-            </a:r>
-            <a:r>
-              <a:rPr lang="fr-FR" sz="3600" dirty="0"/>
-              <a:t>:</a:t>
-            </a:r>
-            <a:endParaRPr lang="fr-FR" sz="3600" dirty="0"/>
-          </a:p>
-          <a:p>
-            <a:pPr marL="571500" indent="-571500" algn="just">
-              <a:buFont typeface="Arial" charset="0"/>
-              <a:buChar char="•"/>
-            </a:pPr>
-            <a:r>
-              <a:rPr lang="fr-CH" sz="3600" dirty="0"/>
-              <a:t>Disposent </a:t>
-            </a:r>
-            <a:r>
-              <a:rPr lang="fr-CH" sz="3600" dirty="0" smtClean="0"/>
-              <a:t>d’aptitudes </a:t>
-            </a:r>
-            <a:r>
-              <a:rPr lang="fr-CH" sz="3600" dirty="0" smtClean="0"/>
-              <a:t>nécessaires à l’exploitation d’un </a:t>
-            </a:r>
-            <a:r>
-              <a:rPr lang="fr-CH" sz="3600" dirty="0" smtClean="0"/>
-              <a:t>PGI</a:t>
-            </a:r>
-            <a:endParaRPr lang="fr-CH" sz="3600" dirty="0"/>
-          </a:p>
-          <a:p>
-            <a:pPr marL="571500" indent="-571500" algn="just">
-              <a:buFont typeface="Arial" charset="0"/>
-              <a:buChar char="•"/>
-            </a:pPr>
-            <a:r>
-              <a:rPr lang="fr-CH" sz="3600" dirty="0"/>
-              <a:t>Puissent </a:t>
-            </a:r>
-            <a:r>
-              <a:rPr lang="fr-CH" sz="3600" dirty="0" smtClean="0"/>
-              <a:t>aligner </a:t>
-            </a:r>
-            <a:r>
-              <a:rPr lang="fr-CH" sz="3600" dirty="0" smtClean="0"/>
-              <a:t>stratégies d’entreprise avec un système d’informations informatisé</a:t>
-            </a:r>
-            <a:endParaRPr lang="fr-CH" sz="3600" dirty="0"/>
-          </a:p>
-          <a:p>
-            <a:pPr marL="571500" indent="-571500" algn="just">
-              <a:buFont typeface="Arial" charset="0"/>
-              <a:buChar char="•"/>
-            </a:pPr>
-            <a:r>
-              <a:rPr lang="fr-CH" sz="3600" dirty="0" smtClean="0"/>
-              <a:t>Aient de l’expérience en gestion d’entreprise acquise en pratiquant </a:t>
-            </a:r>
-            <a:r>
-              <a:rPr lang="fr-CH" sz="3600" dirty="0"/>
-              <a:t>dans des conditions </a:t>
-            </a:r>
-            <a:r>
-              <a:rPr lang="fr-CH" sz="3600" dirty="0" smtClean="0"/>
-              <a:t>réalistes</a:t>
-            </a:r>
-            <a:endParaRPr lang="fr-FR" sz="3600" dirty="0"/>
+              <a:rPr lang="fr-FR" sz="3500" dirty="0" smtClean="0"/>
+              <a:t>La majeur partie des sociétés tendent à supporter leurs processus avec des </a:t>
+            </a:r>
+            <a:r>
+              <a:rPr lang="fr-CH" sz="3500" dirty="0" smtClean="0"/>
+              <a:t>outils </a:t>
+            </a:r>
+            <a:r>
+              <a:rPr lang="fr-FR" sz="3500" dirty="0" smtClean="0"/>
+              <a:t>informatiques. De ce fait, les managers sont confrontés quotidiennement à ce type d’outil que l’on nomme des progiciels de gestions intégrés ou dans sa version abrégée, des PGI.</a:t>
+            </a:r>
           </a:p>
         </p:txBody>
       </p:sp>
@@ -9035,7 +8933,7 @@
         </p:nvSpPr>
         <p:spPr>
           <a:xfrm>
-            <a:off x="10775109" y="18425333"/>
+            <a:off x="10775109" y="18275350"/>
             <a:ext cx="10080000" cy="9777035"/>
           </a:xfrm>
           <a:prstGeom prst="rect">
@@ -9051,10 +8949,10 @@
           <a:p>
             <a:pPr algn="just">
               <a:spcBef>
-                <a:spcPts val="1000"/>
+                <a:spcPts val="600"/>
               </a:spcBef>
               <a:spcAft>
-                <a:spcPts val="1000"/>
+                <a:spcPts val="600"/>
               </a:spcAft>
             </a:pPr>
             <a:r>
@@ -9066,7 +8964,7 @@
               <a:t>Responsabilités et fonctionnement </a:t>
             </a:r>
             <a:r>
-              <a:rPr lang="fr-FR" sz="4000" dirty="0" smtClean="0">
+              <a:rPr lang="fr-FR" sz="4000" dirty="0">
                 <a:solidFill>
                   <a:srgbClr val="008AC9"/>
                 </a:solidFill>
@@ -9088,7 +8986,7 @@
               <a:buChar char="•"/>
             </a:pPr>
             <a:r>
-              <a:rPr lang="fr-FR" sz="3600" dirty="0"/>
+              <a:rPr lang="fr-FR" sz="3500" dirty="0"/>
               <a:t>Création de consommateurs</a:t>
             </a:r>
           </a:p>
@@ -9098,27 +8996,30 @@
               <a:buChar char="•"/>
             </a:pPr>
             <a:r>
-              <a:rPr lang="fr-FR" sz="3600" dirty="0" smtClean="0"/>
+              <a:rPr lang="fr-FR" sz="3500" dirty="0" smtClean="0"/>
               <a:t>Attribution de besoins spécifiques </a:t>
             </a:r>
             <a:r>
-              <a:rPr lang="fr-FR" sz="3600" dirty="0"/>
-              <a:t>+ P</a:t>
-            </a:r>
-            <a:r>
-              <a:rPr lang="fr-FR" sz="3600" dirty="0" smtClean="0"/>
-              <a:t>ouvoir </a:t>
-            </a:r>
-            <a:r>
-              <a:rPr lang="fr-FR" sz="3600" dirty="0"/>
+              <a:rPr lang="fr-FR" sz="3500" dirty="0" smtClean="0"/>
+              <a:t>+</a:t>
+            </a:r>
+            <a:br>
+              <a:rPr lang="fr-FR" sz="3500" dirty="0" smtClean="0"/>
+            </a:br>
+            <a:r>
+              <a:rPr lang="fr-FR" sz="3500" dirty="0" smtClean="0"/>
+              <a:t>Pouvoir </a:t>
+            </a:r>
+            <a:r>
+              <a:rPr lang="fr-FR" sz="3500" dirty="0"/>
               <a:t>d’achat traduit </a:t>
             </a:r>
             <a:r>
-              <a:rPr lang="fr-FR" sz="3600" dirty="0" smtClean="0"/>
+              <a:rPr lang="fr-FR" sz="3500" dirty="0" smtClean="0"/>
               <a:t>en un </a:t>
             </a:r>
             <a:r>
-              <a:rPr lang="fr-FR" sz="3600" dirty="0"/>
+              <a:rPr lang="fr-FR" sz="3500" dirty="0"/>
               <a:t>plan de demande</a:t>
             </a:r>
           </a:p>
@@ -9128,19 +9029,19 @@
               <a:buChar char="•"/>
             </a:pPr>
             <a:r>
-              <a:rPr lang="fr-FR" sz="3600" dirty="0"/>
+              <a:rPr lang="fr-FR" sz="3500" dirty="0"/>
               <a:t>Connexion aux </a:t>
             </a:r>
             <a:r>
-              <a:rPr lang="fr-FR" sz="3600" dirty="0" smtClean="0"/>
+              <a:rPr lang="fr-FR" sz="3500" dirty="0" smtClean="0"/>
               <a:t>sociétés </a:t>
             </a:r>
             <a:r>
-              <a:rPr lang="fr-FR" sz="3600" dirty="0"/>
+              <a:rPr lang="fr-FR" sz="3500" dirty="0"/>
               <a:t>Brewery &amp; </a:t>
             </a:r>
             <a:r>
-              <a:rPr lang="fr-FR" sz="3600" dirty="0" smtClean="0"/>
+              <a:rPr lang="fr-FR" sz="3500" dirty="0" smtClean="0"/>
               <a:t>Co.</a:t>
             </a:r>
           </a:p>
@@ -9150,27 +9051,27 @@
               <a:buChar char="•"/>
             </a:pPr>
             <a:r>
-              <a:rPr lang="fr-FR" sz="3600" dirty="0" smtClean="0"/>
+              <a:rPr lang="fr-FR" sz="3500" dirty="0" smtClean="0"/>
               <a:t>Interaction et échanges d’informations gr</a:t>
             </a:r>
             <a:r>
-              <a:rPr lang="fr-CH" sz="3600" dirty="0" err="1" smtClean="0"/>
+              <a:rPr lang="fr-CH" sz="3500" dirty="0" err="1" smtClean="0"/>
               <a:t>âce</a:t>
             </a:r>
             <a:r>
-              <a:rPr lang="fr-CH" sz="3600" dirty="0" smtClean="0"/>
+              <a:rPr lang="fr-CH" sz="3500" dirty="0" smtClean="0"/>
               <a:t> à l’API</a:t>
             </a:r>
             <a:r>
-              <a:rPr lang="fr-FR" sz="3600" dirty="0" smtClean="0"/>
+              <a:rPr lang="fr-FR" sz="3500" dirty="0" smtClean="0"/>
               <a:t>; Disponibilité des stocks, prix de vente, </a:t>
             </a:r>
             <a:r>
-              <a:rPr lang="fr-FR" sz="3600" dirty="0" err="1" smtClean="0"/>
+              <a:rPr lang="fr-FR" sz="3500" dirty="0" err="1" smtClean="0"/>
               <a:t>etc</a:t>
             </a:r>
             <a:r>
-              <a:rPr lang="is-IS" sz="3600" dirty="0" smtClean="0"/>
+              <a:rPr lang="is-IS" sz="3500" dirty="0" smtClean="0"/>
               <a:t>…</a:t>
             </a:r>
           </a:p>
@@ -9180,8 +9081,16 @@
               <a:buChar char="•"/>
             </a:pPr>
             <a:r>
-              <a:rPr lang="fr-CH" sz="3600" dirty="0" smtClean="0"/>
-              <a:t>Choix de l’offre (Algorithme de sélection des meilleures conditions d’achat)</a:t>
+              <a:rPr lang="fr-CH" sz="3500" dirty="0" smtClean="0"/>
+              <a:t>Choix de l’offre </a:t>
+            </a:r>
+            <a:r>
+              <a:rPr lang="fr-CH" sz="3500" dirty="0" smtClean="0"/>
+              <a:t>(Algorithme </a:t>
+            </a:r>
+            <a:r>
+              <a:rPr lang="fr-CH" sz="3500" dirty="0" smtClean="0"/>
+              <a:t>de sélection des meilleures conditions d’achat)</a:t>
             </a:r>
           </a:p>
           <a:p>
@@ -9190,15 +9099,15 @@
               <a:buChar char="•"/>
             </a:pPr>
             <a:r>
-              <a:rPr lang="fr-CH" sz="3600" dirty="0" smtClean="0"/>
+              <a:rPr lang="fr-CH" sz="3500" dirty="0" smtClean="0"/>
               <a:t>Manipulation objets </a:t>
             </a:r>
             <a:r>
-              <a:rPr lang="fr-CH" sz="3600" dirty="0" err="1" smtClean="0"/>
+              <a:rPr lang="fr-CH" sz="3500" dirty="0" err="1" smtClean="0"/>
               <a:t>Odoo</a:t>
             </a:r>
             <a:r>
-              <a:rPr lang="fr-CH" sz="3600" dirty="0" smtClean="0"/>
+              <a:rPr lang="fr-CH" sz="3500" dirty="0" smtClean="0"/>
               <a:t> = dérouler le scénario</a:t>
             </a:r>
           </a:p>
@@ -9207,7 +9116,7 @@
               <a:buFont typeface="Arial" charset="0"/>
               <a:buChar char="•"/>
             </a:pPr>
-            <a:endParaRPr lang="fr-CH" sz="3600" dirty="0"/>
+            <a:endParaRPr lang="fr-CH" sz="3500" dirty="0"/>
           </a:p>
           <a:p>
             <a:pPr algn="just">
@@ -9219,7 +9128,7 @@
               </a:spcAft>
             </a:pPr>
             <a:r>
-              <a:rPr lang="fr-FR" sz="3600" b="1" i="1" dirty="0">
+              <a:rPr lang="fr-FR" sz="3500" b="1" i="1" dirty="0">
                 <a:solidFill>
                   <a:srgbClr val="0098D8"/>
                 </a:solidFill>
@@ -9227,7 +9136,7 @@
               <a:t>Exemple d’interaction : </a:t>
             </a:r>
             <a:r>
-              <a:rPr lang="fr-FR" sz="3600" i="1" dirty="0">
+              <a:rPr lang="fr-FR" sz="3500" i="1" dirty="0">
                 <a:solidFill>
                   <a:srgbClr val="0098D8"/>
                 </a:solidFill>
@@ -9235,7 +9144,7 @@
               <a:t>Le simulateur récupère une demande d’approvisionnement </a:t>
             </a:r>
             <a:r>
-              <a:rPr lang="fr-FR" sz="3600" i="1" dirty="0" smtClean="0">
+              <a:rPr lang="fr-FR" sz="3500" i="1" dirty="0" smtClean="0">
                 <a:solidFill>
                   <a:srgbClr val="0098D8"/>
                 </a:solidFill>
@@ -9243,7 +9152,7 @@
               <a:t>d’une société particulière avec l’API. Il lit </a:t>
             </a:r>
             <a:r>
-              <a:rPr lang="fr-FR" sz="3600" i="1" dirty="0">
+              <a:rPr lang="fr-FR" sz="3500" i="1" dirty="0">
                 <a:solidFill>
                   <a:srgbClr val="0098D8"/>
                 </a:solidFill>
@@ -9251,14 +9160,14 @@
               <a:t>la date et simule le délai de livraison (1 jours = 60 secondes). Une fois atteint, il ajoute la quantité achetée en stock et termine le flux d’achat</a:t>
             </a:r>
             <a:r>
-              <a:rPr lang="fr-FR" sz="3600" i="1" dirty="0" smtClean="0">
+              <a:rPr lang="fr-FR" sz="3500" i="1" dirty="0" smtClean="0">
                 <a:solidFill>
                   <a:srgbClr val="0098D8"/>
                 </a:solidFill>
               </a:rPr>
               <a:t>.</a:t>
             </a:r>
-            <a:endParaRPr lang="fr-CH" sz="3600" dirty="0" smtClean="0"/>
+            <a:endParaRPr lang="fr-CH" sz="3500" dirty="0" smtClean="0"/>
           </a:p>
         </p:txBody>
       </p:sp>
@@ -9562,8 +9471,8 @@
         </p:nvSpPr>
         <p:spPr>
           <a:xfrm>
-            <a:off x="400234" y="18406761"/>
-            <a:ext cx="10080000" cy="9782165"/>
+            <a:off x="400234" y="18300321"/>
+            <a:ext cx="10080000" cy="9864239"/>
           </a:xfrm>
           <a:prstGeom prst="rect">
             <a:avLst/>
@@ -9578,10 +9487,10 @@
           <a:p>
             <a:pPr algn="just">
               <a:spcBef>
-                <a:spcPts val="1000"/>
+                <a:spcPts val="600"/>
               </a:spcBef>
               <a:spcAft>
-                <a:spcPts val="1000"/>
+                <a:spcPts val="600"/>
               </a:spcAft>
             </a:pPr>
             <a:r>
@@ -9590,7 +9499,15 @@
                   <a:srgbClr val="008AC9"/>
                 </a:solidFill>
               </a:rPr>
-              <a:t>En quoi consiste le jeu </a:t>
+              <a:t>En quoi consiste le </a:t>
+            </a:r>
+            <a:r>
+              <a:rPr lang="fr-CH" sz="4000" dirty="0" smtClean="0">
+                <a:solidFill>
+                  <a:srgbClr val="008AC9"/>
+                </a:solidFill>
+              </a:rPr>
+              <a:t>jeu sérieux </a:t>
             </a:r>
             <a:r>
               <a:rPr lang="fr-CH" sz="4000" dirty="0" err="1" smtClean="0">
@@ -9628,8 +9545,8 @@
               <a:buChar char="•"/>
             </a:pPr>
             <a:r>
-              <a:rPr lang="fr-FR" sz="3600" dirty="0"/>
-              <a:t>Simulation d’environnement économique réaliste</a:t>
+              <a:rPr lang="fr-FR" sz="3500" dirty="0" smtClean="0"/>
+              <a:t>Améliorer les compétences en gestion d’entreprise</a:t>
             </a:r>
           </a:p>
           <a:p>
@@ -9638,9 +9555,14 @@
               <a:buChar char="•"/>
             </a:pPr>
             <a:r>
-              <a:rPr lang="fr-FR" sz="3600" dirty="0"/>
-              <a:t>Fournir une plateforme attractive et immersive</a:t>
-            </a:r>
+              <a:rPr lang="fr-FR" sz="3500" dirty="0" smtClean="0"/>
+              <a:t>Acquérir de l’expérience avec les</a:t>
+            </a:r>
+            <a:r>
+              <a:rPr lang="fr-CH" sz="3500" dirty="0" smtClean="0"/>
+              <a:t> simulations</a:t>
+            </a:r>
+            <a:endParaRPr lang="fr-FR" sz="3500" dirty="0" smtClean="0"/>
           </a:p>
           <a:p>
             <a:pPr marL="571500" indent="-571500" algn="just">
@@ -9648,9 +9570,10 @@
               <a:buChar char="•"/>
             </a:pPr>
             <a:r>
-              <a:rPr lang="fr-FR" sz="3600" dirty="0"/>
-              <a:t>Interactions entre un marché et des sociétés</a:t>
-            </a:r>
+              <a:rPr lang="fr-FR" sz="3500" dirty="0" smtClean="0"/>
+              <a:t>Interagir dans une économie de marché réaliste</a:t>
+            </a:r>
+            <a:endParaRPr lang="fr-FR" sz="3500" dirty="0"/>
           </a:p>
           <a:p>
             <a:pPr marL="571500" indent="-571500" algn="just">
@@ -9658,26 +9581,48 @@
               <a:buChar char="•"/>
             </a:pPr>
             <a:r>
-              <a:rPr lang="fr-CH" sz="3600" dirty="0"/>
-              <a:t>Jeu de rôles (manager vente, production, </a:t>
-            </a:r>
-            <a:r>
-              <a:rPr lang="fr-CH" sz="3600" dirty="0" err="1"/>
+              <a:rPr lang="fr-CH" sz="3500" dirty="0" smtClean="0"/>
+              <a:t>Jouer </a:t>
+            </a:r>
+            <a:r>
+              <a:rPr lang="fr-CH" sz="3500" dirty="0" smtClean="0"/>
+              <a:t>divers rôles managériaux  (vente</a:t>
+            </a:r>
+            <a:r>
+              <a:rPr lang="fr-CH" sz="3500" dirty="0"/>
+              <a:t>, </a:t>
+            </a:r>
+            <a:r>
+              <a:rPr lang="fr-CH" sz="3500" dirty="0" smtClean="0"/>
+              <a:t>achat, </a:t>
+            </a:r>
+            <a:r>
+              <a:rPr lang="fr-CH" sz="3500" dirty="0" err="1" smtClean="0"/>
               <a:t>etc</a:t>
             </a:r>
             <a:r>
-              <a:rPr lang="is-IS" sz="3600" dirty="0"/>
-              <a:t>…)</a:t>
-            </a:r>
-            <a:endParaRPr lang="fr-FR" sz="3600" dirty="0"/>
+              <a:rPr lang="is-IS" sz="3500" dirty="0" smtClean="0"/>
+              <a:t>)</a:t>
+            </a:r>
+          </a:p>
+          <a:p>
+            <a:pPr marL="571500" indent="-571500" algn="just">
+              <a:buFont typeface="Arial" charset="0"/>
+              <a:buChar char="•"/>
+            </a:pPr>
+            <a:r>
+              <a:rPr lang="is-IS" sz="3500" dirty="0" smtClean="0"/>
+              <a:t>Stimuler la communication intragroupe</a:t>
+            </a:r>
+            <a:endParaRPr lang="is-IS" sz="3500" dirty="0" smtClean="0"/>
           </a:p>
           <a:p>
             <a:pPr algn="just">
               <a:spcBef>
-                <a:spcPts val="1000"/>
+                <a:spcPts val="600"/>
               </a:spcBef>
               <a:spcAft>
-                <a:spcPts val="1000"/>
+                <a:spcPts val="600"/>
               </a:spcAft>
             </a:pPr>
             <a:r>
@@ -9686,7 +9631,15 @@
                   <a:srgbClr val="008AC9"/>
                 </a:solidFill>
               </a:rPr>
-              <a:t>Gains pédagogiques des jeux sérieux ?</a:t>
+              <a:t>Gains </a:t>
+            </a:r>
+            <a:r>
+              <a:rPr lang="fr-FR" sz="4000" dirty="0">
+                <a:solidFill>
+                  <a:srgbClr val="008AC9"/>
+                </a:solidFill>
+              </a:rPr>
+              <a:t>pédagogiques des jeux sérieux ?</a:t>
             </a:r>
           </a:p>
           <a:p>
@@ -9695,11 +9648,11 @@
               <a:buChar char="•"/>
             </a:pPr>
             <a:r>
-              <a:rPr lang="fr-CH" sz="3600" dirty="0" smtClean="0"/>
+              <a:rPr lang="fr-CH" sz="3500" dirty="0" smtClean="0"/>
               <a:t>Vaincre la </a:t>
             </a:r>
             <a:r>
-              <a:rPr lang="fr-CH" sz="3600" dirty="0"/>
+              <a:rPr lang="fr-CH" sz="3500" dirty="0"/>
               <a:t>passivité des formations traditionnelles</a:t>
             </a:r>
           </a:p>
@@ -9709,14 +9662,34 @@
               <a:buChar char="•"/>
             </a:pPr>
             <a:r>
-              <a:rPr lang="fr-CH" sz="3600" dirty="0"/>
+              <a:rPr lang="fr-CH" sz="3500" dirty="0"/>
               <a:t>E</a:t>
             </a:r>
             <a:r>
-              <a:rPr lang="fr-CH" sz="3600" dirty="0" smtClean="0"/>
-              <a:t>nvironnement interactif scénarisé = Immersion!</a:t>
-            </a:r>
-            <a:endParaRPr lang="fr-CH" sz="3600" dirty="0"/>
+              <a:rPr lang="fr-CH" sz="3500" dirty="0" smtClean="0"/>
+              <a:t>nvironnement interactif scénarisé </a:t>
+            </a:r>
+            <a:r>
+              <a:rPr lang="fr-CH" sz="3500" dirty="0" smtClean="0"/>
+              <a:t>signifie i</a:t>
+            </a:r>
+            <a:r>
+              <a:rPr lang="fr-CH" sz="3500" dirty="0" smtClean="0"/>
+              <a:t>mmersion</a:t>
+            </a:r>
+            <a:r>
+              <a:rPr lang="fr-CH" sz="3500" dirty="0" smtClean="0"/>
+              <a:t> </a:t>
+            </a:r>
+            <a:r>
+              <a:rPr lang="fr-CH" sz="3500" dirty="0" smtClean="0"/>
+              <a:t>accrue = augmentation de l’intérêt </a:t>
+            </a:r>
+            <a:r>
+              <a:rPr lang="fr-CH" sz="3500" dirty="0" err="1" smtClean="0"/>
+              <a:t>géné</a:t>
+            </a:r>
+            <a:endParaRPr lang="fr-CH" sz="3500" dirty="0"/>
           </a:p>
           <a:p>
             <a:pPr marL="571500" indent="-571500" algn="just">
@@ -9724,14 +9697,22 @@
               <a:buChar char="•"/>
             </a:pPr>
             <a:r>
-              <a:rPr lang="fr-CH" sz="3600" dirty="0"/>
+              <a:rPr lang="fr-CH" sz="3500" dirty="0"/>
               <a:t>Échanges </a:t>
             </a:r>
             <a:r>
-              <a:rPr lang="fr-CH" sz="3600" dirty="0" smtClean="0"/>
-              <a:t>bidirectionnelles (simulateur/joueurs), actions, réactions (=décisions, impacts)</a:t>
-            </a:r>
-            <a:endParaRPr lang="fr-CH" sz="3600" dirty="0"/>
+              <a:rPr lang="fr-CH" sz="3500" dirty="0" smtClean="0"/>
+              <a:t>bidirectionnelles (simulateur/joueurs), actions, réactions </a:t>
+            </a:r>
+            <a:r>
+              <a:rPr lang="fr-CH" sz="3500" dirty="0" smtClean="0"/>
+              <a:t>(= décisions</a:t>
+            </a:r>
+            <a:r>
+              <a:rPr lang="fr-CH" sz="3500" dirty="0" smtClean="0"/>
+              <a:t>, impacts)</a:t>
+            </a:r>
+            <a:endParaRPr lang="fr-CH" sz="3500" dirty="0"/>
           </a:p>
           <a:p>
             <a:pPr marL="571500" indent="-571500" algn="just">
@@ -9739,35 +9720,25 @@
               <a:buChar char="•"/>
             </a:pPr>
             <a:r>
-              <a:rPr lang="fr-CH" sz="3600" dirty="0" smtClean="0"/>
+              <a:rPr lang="fr-CH" sz="3500" dirty="0" smtClean="0"/>
               <a:t>Étudiant au </a:t>
             </a:r>
             <a:r>
-              <a:rPr lang="fr-CH" sz="3600" dirty="0"/>
+              <a:rPr lang="fr-CH" sz="3500" dirty="0"/>
               <a:t>centre du </a:t>
             </a:r>
             <a:r>
-              <a:rPr lang="fr-CH" sz="3600" dirty="0" smtClean="0"/>
+              <a:rPr lang="fr-CH" sz="3500" dirty="0" smtClean="0"/>
               <a:t>processus d’apprentissage</a:t>
-            </a:r>
-          </a:p>
-          <a:p>
-            <a:pPr marL="571500" indent="-571500" algn="just">
-              <a:buFont typeface="Arial" charset="0"/>
-              <a:buChar char="•"/>
-            </a:pPr>
-            <a:r>
-              <a:rPr lang="fr-CH" sz="3600" dirty="0" smtClean="0"/>
-              <a:t>Concepts théoriques fortement assimilés</a:t>
             </a:r>
           </a:p>
           <a:p>
             <a:pPr algn="just">
               <a:spcBef>
-                <a:spcPts val="1000"/>
+                <a:spcPts val="600"/>
               </a:spcBef>
               <a:spcAft>
-                <a:spcPts val="1000"/>
+                <a:spcPts val="600"/>
               </a:spcAft>
             </a:pPr>
             <a:r>
@@ -9776,7 +9747,15 @@
                   <a:srgbClr val="008AC9"/>
                 </a:solidFill>
               </a:rPr>
-              <a:t>Scope du projet</a:t>
+              <a:t>Scope </a:t>
+            </a:r>
+            <a:r>
+              <a:rPr lang="fr-CH" sz="4000" dirty="0">
+                <a:solidFill>
+                  <a:srgbClr val="008AC9"/>
+                </a:solidFill>
+              </a:rPr>
+              <a:t>du projet</a:t>
             </a:r>
           </a:p>
           <a:p>
@@ -9785,7 +9764,7 @@
               <a:buChar char="•"/>
             </a:pPr>
             <a:r>
-              <a:rPr lang="fr-CH" sz="3600" dirty="0" smtClean="0"/>
+              <a:rPr lang="fr-CH" sz="3500" dirty="0" smtClean="0"/>
               <a:t>Imaginer un scénario, une histoire</a:t>
             </a:r>
           </a:p>
@@ -9795,9 +9774,18 @@
               <a:buChar char="•"/>
             </a:pPr>
             <a:r>
-              <a:rPr lang="fr-CH" sz="3600" dirty="0" smtClean="0"/>
-              <a:t>Donner les spécifications métiers et techniques</a:t>
-            </a:r>
+              <a:rPr lang="fr-CH" sz="3500" dirty="0"/>
+              <a:t>S</a:t>
+            </a:r>
+            <a:r>
+              <a:rPr lang="fr-CH" sz="3500" dirty="0" smtClean="0"/>
+              <a:t>pécifications métiers/techniques </a:t>
+            </a:r>
+            <a:r>
+              <a:rPr lang="fr-CH" sz="3500" dirty="0" err="1" smtClean="0"/>
+              <a:t>implémentables</a:t>
+            </a:r>
+            <a:endParaRPr lang="fr-CH" sz="3500" dirty="0" smtClean="0"/>
           </a:p>
           <a:p>
             <a:pPr marL="571500" indent="-571500" algn="just">
@@ -9805,10 +9793,13 @@
               <a:buChar char="•"/>
             </a:pPr>
             <a:r>
-              <a:rPr lang="fr-CH" sz="3600" dirty="0" smtClean="0"/>
-              <a:t>Développement proof of concept partie ventes</a:t>
-            </a:r>
-            <a:endParaRPr lang="fr-CH" sz="3600" dirty="0"/>
+              <a:rPr lang="fr-CH" sz="3500" dirty="0" smtClean="0"/>
+              <a:t>Développement proof of concept </a:t>
+            </a:r>
+            <a:r>
+              <a:rPr lang="fr-CH" sz="3500" dirty="0" smtClean="0"/>
+              <a:t>partie ventes</a:t>
+            </a:r>
           </a:p>
         </p:txBody>
       </p:sp>
@@ -9820,7 +9811,7 @@
         </p:nvSpPr>
         <p:spPr>
           <a:xfrm>
-            <a:off x="10816673" y="9357439"/>
+            <a:off x="10816673" y="9217132"/>
             <a:ext cx="2376000" cy="1656000"/>
           </a:xfrm>
           <a:prstGeom prst="rightArrow">
@@ -9880,7 +9871,7 @@
         </p:nvSpPr>
         <p:spPr>
           <a:xfrm flipH="1">
-            <a:off x="8555751" y="9358011"/>
+            <a:off x="8555751" y="9217704"/>
             <a:ext cx="2232000" cy="1656000"/>
           </a:xfrm>
           <a:prstGeom prst="rightArrow">
@@ -9953,7 +9944,7 @@
         </p:blipFill>
         <p:spPr>
           <a:xfrm>
-            <a:off x="4965319" y="10160942"/>
+            <a:off x="4965319" y="10020635"/>
             <a:ext cx="471500" cy="1080000"/>
           </a:xfrm>
           <a:prstGeom prst="rect">
@@ -9969,7 +9960,7 @@
         </p:nvSpPr>
         <p:spPr>
           <a:xfrm>
-            <a:off x="10955629" y="16891757"/>
+            <a:off x="10955629" y="16751450"/>
             <a:ext cx="5734405" cy="1077218"/>
           </a:xfrm>
           <a:prstGeom prst="rect">
@@ -10008,7 +9999,7 @@
         </p:nvSpPr>
         <p:spPr>
           <a:xfrm rot="16200000">
-            <a:off x="17286402" y="13079567"/>
+            <a:off x="17286402" y="12939260"/>
             <a:ext cx="6507487" cy="584775"/>
           </a:xfrm>
           <a:prstGeom prst="rect">
@@ -10039,6 +10030,186 @@
                 </a:schemeClr>
               </a:solidFill>
             </a:endParaRPr>
+          </a:p>
+        </p:txBody>
+      </p:sp>
+      <p:grpSp>
+        <p:nvGrpSpPr>
+          <p:cNvPr id="66" name="Grouper 65"/>
+          <p:cNvGrpSpPr/>
+          <p:nvPr/>
+        </p:nvGrpSpPr>
+        <p:grpSpPr>
+          <a:xfrm>
+            <a:off x="18041871" y="12252986"/>
+            <a:ext cx="1138556" cy="1921916"/>
+            <a:chOff x="19036849" y="12060781"/>
+            <a:chExt cx="1138556" cy="1921916"/>
+          </a:xfrm>
+        </p:grpSpPr>
+        <p:pic>
+          <p:nvPicPr>
+            <p:cNvPr id="67" name="Image 66"/>
+            <p:cNvPicPr>
+              <a:picLocks noChangeAspect="1"/>
+            </p:cNvPicPr>
+            <p:nvPr/>
+          </p:nvPicPr>
+          <p:blipFill rotWithShape="1">
+            <a:blip r:embed="rId15">
+              <a:extLst>
+                <a:ext uri="{28A0092B-C50C-407E-A947-70E740481C1C}">
+                  <a14:useLocalDpi xmlns:a14="http://schemas.microsoft.com/office/drawing/2010/main" val="0"/>
+                </a:ext>
+              </a:extLst>
+            </a:blip>
+            <a:srcRect l="29512" r="26967"/>
+            <a:stretch/>
+          </p:blipFill>
+          <p:spPr>
+            <a:xfrm>
+              <a:off x="19036849" y="12060781"/>
+              <a:ext cx="836442" cy="1921916"/>
+            </a:xfrm>
+            <a:prstGeom prst="rect">
+              <a:avLst/>
+            </a:prstGeom>
+          </p:spPr>
+        </p:pic>
+        <p:sp>
+          <p:nvSpPr>
+            <p:cNvPr id="68" name="ZoneTexte 67"/>
+            <p:cNvSpPr txBox="1"/>
+            <p:nvPr/>
+          </p:nvSpPr>
+          <p:spPr>
+            <a:xfrm rot="16200000">
+              <a:off x="19279871" y="12790907"/>
+              <a:ext cx="1329403" cy="461665"/>
+            </a:xfrm>
+            <a:prstGeom prst="rect">
+              <a:avLst/>
+            </a:prstGeom>
+            <a:noFill/>
+          </p:spPr>
+          <p:txBody>
+            <a:bodyPr wrap="none" rtlCol="0">
+              <a:spAutoFit/>
+            </a:bodyPr>
+            <a:lstStyle/>
+            <a:p>
+              <a:r>
+                <a:rPr lang="fr-FR" sz="2400" dirty="0" smtClean="0">
+                  <a:solidFill>
+                    <a:schemeClr val="accent4">
+                      <a:lumMod val="50000"/>
+                    </a:schemeClr>
+                  </a:solidFill>
+                </a:rPr>
+                <a:t>Acheteur</a:t>
+              </a:r>
+              <a:endParaRPr lang="fr-FR" sz="2200" dirty="0">
+                <a:solidFill>
+                  <a:schemeClr val="accent4">
+                    <a:lumMod val="50000"/>
+                  </a:schemeClr>
+                </a:solidFill>
+              </a:endParaRPr>
+            </a:p>
+          </p:txBody>
+        </p:sp>
+      </p:grpSp>
+      <p:sp>
+        <p:nvSpPr>
+          <p:cNvPr id="70" name="ZoneTexte 69"/>
+          <p:cNvSpPr txBox="1"/>
+          <p:nvPr/>
+        </p:nvSpPr>
+        <p:spPr>
+          <a:xfrm>
+            <a:off x="10816673" y="4690320"/>
+            <a:ext cx="10080000" cy="3477875"/>
+          </a:xfrm>
+          <a:prstGeom prst="rect">
+            <a:avLst/>
+          </a:prstGeom>
+          <a:noFill/>
+        </p:spPr>
+        <p:txBody>
+          <a:bodyPr wrap="square" rtlCol="0">
+            <a:spAutoFit/>
+          </a:bodyPr>
+          <a:lstStyle/>
+          <a:p>
+            <a:pPr algn="just">
+              <a:spcBef>
+                <a:spcPts val="600"/>
+              </a:spcBef>
+              <a:spcAft>
+                <a:spcPts val="600"/>
+              </a:spcAft>
+            </a:pPr>
+            <a:r>
+              <a:rPr lang="is-IS" sz="4000" dirty="0" smtClean="0">
+                <a:solidFill>
+                  <a:srgbClr val="008AC9"/>
+                </a:solidFill>
+              </a:rPr>
+              <a:t>…</a:t>
+            </a:r>
+            <a:r>
+              <a:rPr lang="fr-CH" sz="4000" dirty="0" smtClean="0">
+                <a:solidFill>
+                  <a:srgbClr val="008AC9"/>
+                </a:solidFill>
+              </a:rPr>
+              <a:t>Un élément de réponse avec </a:t>
+            </a:r>
+            <a:r>
+              <a:rPr lang="is-IS" sz="4000" dirty="0" smtClean="0">
+                <a:solidFill>
+                  <a:srgbClr val="008AC9"/>
+                </a:solidFill>
+              </a:rPr>
+              <a:t>OdooSIM!</a:t>
+            </a:r>
+          </a:p>
+          <a:p>
+            <a:pPr algn="just"/>
+            <a:r>
+              <a:rPr lang="fr-FR" sz="3500" dirty="0" smtClean="0"/>
+              <a:t>Les besoins sous-jacents de ce constat impliquent que les étudiants de nos filières possèdent :</a:t>
+            </a:r>
+          </a:p>
+          <a:p>
+            <a:pPr marL="457200" indent="-457200" algn="just">
+              <a:buFont typeface="Arial" charset="0"/>
+              <a:buChar char="•"/>
+            </a:pPr>
+            <a:r>
+              <a:rPr lang="fr-FR" sz="3500" dirty="0" smtClean="0"/>
+              <a:t>Des aptitudes à travailler avec l’outil informatique</a:t>
+            </a:r>
+          </a:p>
+          <a:p>
+            <a:pPr marL="457200" indent="-457200" algn="just">
+              <a:buFont typeface="Arial" charset="0"/>
+              <a:buChar char="•"/>
+            </a:pPr>
+            <a:r>
+              <a:rPr lang="fr-FR" sz="3500" dirty="0" smtClean="0"/>
+              <a:t>La faculté d’aligner stratégie d’entreprise avec le PGI</a:t>
+            </a:r>
+          </a:p>
+          <a:p>
+            <a:pPr marL="457200" indent="-457200" algn="just">
+              <a:buFont typeface="Arial" charset="0"/>
+              <a:buChar char="•"/>
+            </a:pPr>
+            <a:r>
+              <a:rPr lang="fr-FR" sz="3500" dirty="0" smtClean="0"/>
+              <a:t>De l’expérience en gestion d’entreprise</a:t>
+            </a:r>
           </a:p>
         </p:txBody>
       </p:sp>
